--- a/techblog-image/techblog-img.pptx
+++ b/techblog-image/techblog-img.pptx
@@ -2444,7 +2444,7 @@
         </p:nvSpPr>
         <p:spPr>
           <a:xfrm>
-            <a:off x="381300" y="685800"/>
+            <a:off x="381000" y="685800"/>
             <a:ext cx="6096000" cy="3429000"/>
           </a:xfrm>
           <a:custGeom>
@@ -10413,7 +10413,7 @@
         </p:nvSpPr>
         <p:spPr>
           <a:xfrm>
-            <a:off x="0" y="1369200"/>
+            <a:off x="322175" y="1369200"/>
             <a:ext cx="7120200" cy="2405100"/>
           </a:xfrm>
           <a:prstGeom prst="rect">
@@ -10440,17 +10440,23 @@
               <a:buNone/>
             </a:pPr>
             <a:r>
-              <a:rPr lang="ja" sz="4800">
+              <a:rPr lang="ja" sz="4800" dirty="0">
                 <a:solidFill>
                   <a:schemeClr val="accent2"/>
                 </a:solidFill>
+                <a:latin typeface="源柔ゴシックL等幅 Bold" panose="020B0609020203020207" pitchFamily="49" charset="-128"/>
+                <a:ea typeface="源柔ゴシックL等幅 Bold" panose="020B0609020203020207" pitchFamily="49" charset="-128"/>
+                <a:cs typeface="源柔ゴシックL等幅 Bold" panose="020B0609020203020207" pitchFamily="49" charset="-128"/>
               </a:rPr>
               <a:t>Docker超入門</a:t>
             </a:r>
-            <a:endParaRPr sz="4800">
+            <a:endParaRPr sz="4800" dirty="0">
               <a:solidFill>
                 <a:schemeClr val="accent2"/>
               </a:solidFill>
+              <a:latin typeface="源柔ゴシックL等幅 Bold" panose="020B0609020203020207" pitchFamily="49" charset="-128"/>
+              <a:ea typeface="源柔ゴシックL等幅 Bold" panose="020B0609020203020207" pitchFamily="49" charset="-128"/>
+              <a:cs typeface="源柔ゴシックL等幅 Bold" panose="020B0609020203020207" pitchFamily="49" charset="-128"/>
             </a:endParaRPr>
           </a:p>
           <a:p>
@@ -10464,17 +10470,23 @@
               <a:buNone/>
             </a:pPr>
             <a:r>
-              <a:rPr lang="ja" sz="4800">
+              <a:rPr lang="ja" sz="4800" dirty="0">
                 <a:solidFill>
                   <a:schemeClr val="accent2"/>
                 </a:solidFill>
+                <a:latin typeface="源柔ゴシックL等幅 Bold" panose="020B0609020203020207" pitchFamily="49" charset="-128"/>
+                <a:ea typeface="源柔ゴシックL等幅 Bold" panose="020B0609020203020207" pitchFamily="49" charset="-128"/>
+                <a:cs typeface="源柔ゴシックL等幅 Bold" panose="020B0609020203020207" pitchFamily="49" charset="-128"/>
               </a:rPr>
               <a:t>初心者でもすぐに使える基礎ガイド</a:t>
             </a:r>
-            <a:endParaRPr sz="4800">
+            <a:endParaRPr sz="4800" dirty="0">
               <a:solidFill>
                 <a:schemeClr val="accent2"/>
               </a:solidFill>
+              <a:latin typeface="源柔ゴシックL等幅 Bold" panose="020B0609020203020207" pitchFamily="49" charset="-128"/>
+              <a:ea typeface="源柔ゴシックL等幅 Bold" panose="020B0609020203020207" pitchFamily="49" charset="-128"/>
+              <a:cs typeface="源柔ゴシックL等幅 Bold" panose="020B0609020203020207" pitchFamily="49" charset="-128"/>
             </a:endParaRPr>
           </a:p>
         </p:txBody>
@@ -11144,14 +11156,14 @@
               <a:buNone/>
             </a:pPr>
             <a:r>
-              <a:rPr lang="ja" sz="4800">
+              <a:rPr lang="ja" sz="4800" dirty="0">
                 <a:solidFill>
                   <a:schemeClr val="accent2"/>
                 </a:solidFill>
               </a:rPr>
               <a:t>Tech Blog始めます</a:t>
             </a:r>
-            <a:endParaRPr sz="4800">
+            <a:endParaRPr sz="4800" dirty="0">
               <a:solidFill>
                 <a:schemeClr val="accent2"/>
               </a:solidFill>

--- a/techblog-image/techblog-img.pptx
+++ b/techblog-image/techblog-img.pptx
@@ -861,7 +861,7 @@
         </p:nvSpPr>
         <p:spPr>
           <a:xfrm>
-            <a:off x="381300" y="685800"/>
+            <a:off x="381000" y="685800"/>
             <a:ext cx="6096000" cy="3429000"/>
           </a:xfrm>
           <a:custGeom>
@@ -965,7 +965,7 @@
         </p:nvSpPr>
         <p:spPr>
           <a:xfrm>
-            <a:off x="381300" y="685800"/>
+            <a:off x="381000" y="685800"/>
             <a:ext cx="6096000" cy="3429000"/>
           </a:xfrm>
           <a:custGeom>
@@ -1069,7 +1069,7 @@
         </p:nvSpPr>
         <p:spPr>
           <a:xfrm>
-            <a:off x="381300" y="685800"/>
+            <a:off x="381000" y="685800"/>
             <a:ext cx="6096000" cy="3429000"/>
           </a:xfrm>
           <a:custGeom>
@@ -1173,7 +1173,7 @@
         </p:nvSpPr>
         <p:spPr>
           <a:xfrm>
-            <a:off x="381300" y="685800"/>
+            <a:off x="381000" y="685800"/>
             <a:ext cx="6096000" cy="3429000"/>
           </a:xfrm>
           <a:custGeom>
@@ -1277,7 +1277,7 @@
         </p:nvSpPr>
         <p:spPr>
           <a:xfrm>
-            <a:off x="381300" y="685800"/>
+            <a:off x="381000" y="685800"/>
             <a:ext cx="6096000" cy="3429000"/>
           </a:xfrm>
           <a:custGeom>
@@ -1381,7 +1381,7 @@
         </p:nvSpPr>
         <p:spPr>
           <a:xfrm>
-            <a:off x="381300" y="685800"/>
+            <a:off x="381000" y="685800"/>
             <a:ext cx="6096000" cy="3429000"/>
           </a:xfrm>
           <a:custGeom>
@@ -1485,7 +1485,7 @@
         </p:nvSpPr>
         <p:spPr>
           <a:xfrm>
-            <a:off x="381300" y="685800"/>
+            <a:off x="381000" y="685800"/>
             <a:ext cx="6096000" cy="3429000"/>
           </a:xfrm>
           <a:custGeom>
@@ -1589,7 +1589,7 @@
         </p:nvSpPr>
         <p:spPr>
           <a:xfrm>
-            <a:off x="381300" y="685800"/>
+            <a:off x="381000" y="685800"/>
             <a:ext cx="6096000" cy="3429000"/>
           </a:xfrm>
           <a:custGeom>
@@ -1693,7 +1693,7 @@
         </p:nvSpPr>
         <p:spPr>
           <a:xfrm>
-            <a:off x="381300" y="685800"/>
+            <a:off x="381000" y="685800"/>
             <a:ext cx="6096000" cy="3429000"/>
           </a:xfrm>
           <a:custGeom>
@@ -1797,7 +1797,7 @@
         </p:nvSpPr>
         <p:spPr>
           <a:xfrm>
-            <a:off x="381300" y="685800"/>
+            <a:off x="381000" y="685800"/>
             <a:ext cx="6096000" cy="3429000"/>
           </a:xfrm>
           <a:custGeom>
@@ -2028,7 +2028,7 @@
         </p:nvSpPr>
         <p:spPr>
           <a:xfrm>
-            <a:off x="381300" y="685800"/>
+            <a:off x="381000" y="685800"/>
             <a:ext cx="6096000" cy="3429000"/>
           </a:xfrm>
           <a:custGeom>
@@ -2132,7 +2132,7 @@
         </p:nvSpPr>
         <p:spPr>
           <a:xfrm>
-            <a:off x="381300" y="685800"/>
+            <a:off x="381000" y="685800"/>
             <a:ext cx="6096000" cy="3429000"/>
           </a:xfrm>
           <a:custGeom>
@@ -2236,7 +2236,7 @@
         </p:nvSpPr>
         <p:spPr>
           <a:xfrm>
-            <a:off x="381300" y="685800"/>
+            <a:off x="381000" y="685800"/>
             <a:ext cx="6096000" cy="3429000"/>
           </a:xfrm>
           <a:custGeom>
@@ -2340,7 +2340,7 @@
         </p:nvSpPr>
         <p:spPr>
           <a:xfrm>
-            <a:off x="381300" y="685800"/>
+            <a:off x="381000" y="685800"/>
             <a:ext cx="6096000" cy="3429000"/>
           </a:xfrm>
           <a:custGeom>
@@ -2548,7 +2548,7 @@
         </p:nvSpPr>
         <p:spPr>
           <a:xfrm>
-            <a:off x="381300" y="685800"/>
+            <a:off x="381000" y="685800"/>
             <a:ext cx="6096000" cy="3429000"/>
           </a:xfrm>
           <a:custGeom>
@@ -2652,7 +2652,7 @@
         </p:nvSpPr>
         <p:spPr>
           <a:xfrm>
-            <a:off x="381300" y="685800"/>
+            <a:off x="381000" y="685800"/>
             <a:ext cx="6096000" cy="3429000"/>
           </a:xfrm>
           <a:custGeom>
@@ -2756,7 +2756,7 @@
         </p:nvSpPr>
         <p:spPr>
           <a:xfrm>
-            <a:off x="381300" y="685800"/>
+            <a:off x="381000" y="685800"/>
             <a:ext cx="6096000" cy="3429000"/>
           </a:xfrm>
           <a:custGeom>
@@ -2860,7 +2860,7 @@
         </p:nvSpPr>
         <p:spPr>
           <a:xfrm>
-            <a:off x="381300" y="685800"/>
+            <a:off x="381000" y="685800"/>
             <a:ext cx="6096000" cy="3429000"/>
           </a:xfrm>
           <a:custGeom>
@@ -3091,7 +3091,7 @@
         </p:nvSpPr>
         <p:spPr>
           <a:xfrm>
-            <a:off x="381300" y="685800"/>
+            <a:off x="381000" y="685800"/>
             <a:ext cx="6096000" cy="3429000"/>
           </a:xfrm>
           <a:custGeom>
@@ -3195,7 +3195,7 @@
         </p:nvSpPr>
         <p:spPr>
           <a:xfrm>
-            <a:off x="381300" y="685800"/>
+            <a:off x="381000" y="685800"/>
             <a:ext cx="6096000" cy="3429000"/>
           </a:xfrm>
           <a:custGeom>
@@ -3299,7 +3299,7 @@
         </p:nvSpPr>
         <p:spPr>
           <a:xfrm>
-            <a:off x="381300" y="685800"/>
+            <a:off x="381000" y="685800"/>
             <a:ext cx="6096000" cy="3429000"/>
           </a:xfrm>
           <a:custGeom>
@@ -3403,7 +3403,7 @@
         </p:nvSpPr>
         <p:spPr>
           <a:xfrm>
-            <a:off x="381300" y="685800"/>
+            <a:off x="381000" y="685800"/>
             <a:ext cx="6096000" cy="3429000"/>
           </a:xfrm>
           <a:custGeom>
@@ -3507,7 +3507,7 @@
         </p:nvSpPr>
         <p:spPr>
           <a:xfrm>
-            <a:off x="381300" y="685800"/>
+            <a:off x="381000" y="685800"/>
             <a:ext cx="6096000" cy="3429000"/>
           </a:xfrm>
           <a:custGeom>
@@ -3611,7 +3611,7 @@
         </p:nvSpPr>
         <p:spPr>
           <a:xfrm>
-            <a:off x="381300" y="685800"/>
+            <a:off x="381000" y="685800"/>
             <a:ext cx="6096000" cy="3429000"/>
           </a:xfrm>
           <a:custGeom>
@@ -8520,6 +8520,58 @@
           <a:chExt cx="0" cy="0"/>
         </a:xfrm>
       </p:grpSpPr>
+      <p:sp>
+        <p:nvSpPr>
+          <p:cNvPr id="2" name="正方形/長方形 1">
+            <a:extLst>
+              <a:ext uri="{FF2B5EF4-FFF2-40B4-BE49-F238E27FC236}">
+                <a16:creationId xmlns:a16="http://schemas.microsoft.com/office/drawing/2014/main" id="{F6547C47-9292-0DF0-1618-26B738E22DB9}"/>
+              </a:ext>
+            </a:extLst>
+          </p:cNvPr>
+          <p:cNvSpPr/>
+          <p:nvPr/>
+        </p:nvSpPr>
+        <p:spPr>
+          <a:xfrm>
+            <a:off x="0" y="0"/>
+            <a:ext cx="9144000" cy="5143500"/>
+          </a:xfrm>
+          <a:prstGeom prst="rect">
+            <a:avLst/>
+          </a:prstGeom>
+          <a:solidFill>
+            <a:schemeClr val="bg1"/>
+          </a:solidFill>
+          <a:ln>
+            <a:noFill/>
+          </a:ln>
+        </p:spPr>
+        <p:style>
+          <a:lnRef idx="2">
+            <a:schemeClr val="accent1">
+              <a:shade val="15000"/>
+            </a:schemeClr>
+          </a:lnRef>
+          <a:fillRef idx="1">
+            <a:schemeClr val="accent1"/>
+          </a:fillRef>
+          <a:effectRef idx="0">
+            <a:schemeClr val="accent1"/>
+          </a:effectRef>
+          <a:fontRef idx="minor">
+            <a:schemeClr val="lt1"/>
+          </a:fontRef>
+        </p:style>
+        <p:txBody>
+          <a:bodyPr rtlCol="0" anchor="ctr"/>
+          <a:lstStyle/>
+          <a:p>
+            <a:pPr algn="ctr"/>
+            <a:endParaRPr kumimoji="1" lang="ja-JP" altLang="en-US"/>
+          </a:p>
+        </p:txBody>
+      </p:sp>
       <p:pic>
         <p:nvPicPr>
           <p:cNvPr id="96" name="Google Shape;96;p20"/>
@@ -8555,7 +8607,7 @@
         </p:nvSpPr>
         <p:spPr>
           <a:xfrm>
-            <a:off x="0" y="1781850"/>
+            <a:off x="261252" y="1781850"/>
             <a:ext cx="7120200" cy="1579800"/>
           </a:xfrm>
           <a:prstGeom prst="rect">
@@ -8582,17 +8634,21 @@
               <a:buNone/>
             </a:pPr>
             <a:r>
-              <a:rPr lang="ja" sz="4800">
+              <a:rPr lang="ja" sz="4800" b="1" dirty="0">
                 <a:solidFill>
                   <a:schemeClr val="accent2"/>
                 </a:solidFill>
+                <a:latin typeface="メイリオ" panose="020B0604030504040204" pitchFamily="50" charset="-128"/>
+                <a:ea typeface="メイリオ" panose="020B0604030504040204" pitchFamily="50" charset="-128"/>
               </a:rPr>
               <a:t>ReactでsetIntervalを扱う方法</a:t>
             </a:r>
-            <a:endParaRPr sz="4800">
+            <a:endParaRPr sz="4800" b="1" dirty="0">
               <a:solidFill>
                 <a:schemeClr val="accent2"/>
               </a:solidFill>
+              <a:latin typeface="メイリオ" panose="020B0604030504040204" pitchFamily="50" charset="-128"/>
+              <a:ea typeface="メイリオ" panose="020B0604030504040204" pitchFamily="50" charset="-128"/>
             </a:endParaRPr>
           </a:p>
         </p:txBody>
@@ -8630,6 +8686,58 @@
           <a:chExt cx="0" cy="0"/>
         </a:xfrm>
       </p:grpSpPr>
+      <p:sp>
+        <p:nvSpPr>
+          <p:cNvPr id="2" name="正方形/長方形 1">
+            <a:extLst>
+              <a:ext uri="{FF2B5EF4-FFF2-40B4-BE49-F238E27FC236}">
+                <a16:creationId xmlns:a16="http://schemas.microsoft.com/office/drawing/2014/main" id="{93570B94-EA93-B40E-AE76-F2E5B4F925F9}"/>
+              </a:ext>
+            </a:extLst>
+          </p:cNvPr>
+          <p:cNvSpPr/>
+          <p:nvPr/>
+        </p:nvSpPr>
+        <p:spPr>
+          <a:xfrm>
+            <a:off x="0" y="0"/>
+            <a:ext cx="9144000" cy="5143500"/>
+          </a:xfrm>
+          <a:prstGeom prst="rect">
+            <a:avLst/>
+          </a:prstGeom>
+          <a:solidFill>
+            <a:schemeClr val="bg1"/>
+          </a:solidFill>
+          <a:ln>
+            <a:noFill/>
+          </a:ln>
+        </p:spPr>
+        <p:style>
+          <a:lnRef idx="2">
+            <a:schemeClr val="accent1">
+              <a:shade val="15000"/>
+            </a:schemeClr>
+          </a:lnRef>
+          <a:fillRef idx="1">
+            <a:schemeClr val="accent1"/>
+          </a:fillRef>
+          <a:effectRef idx="0">
+            <a:schemeClr val="accent1"/>
+          </a:effectRef>
+          <a:fontRef idx="minor">
+            <a:schemeClr val="lt1"/>
+          </a:fontRef>
+        </p:style>
+        <p:txBody>
+          <a:bodyPr rtlCol="0" anchor="ctr"/>
+          <a:lstStyle/>
+          <a:p>
+            <a:pPr algn="ctr"/>
+            <a:endParaRPr kumimoji="1" lang="ja-JP" altLang="en-US"/>
+          </a:p>
+        </p:txBody>
+      </p:sp>
       <p:pic>
         <p:nvPicPr>
           <p:cNvPr id="102" name="Google Shape;102;p21"/>
@@ -8665,7 +8773,7 @@
         </p:nvSpPr>
         <p:spPr>
           <a:xfrm>
-            <a:off x="0" y="1400100"/>
+            <a:off x="256414" y="1400100"/>
             <a:ext cx="7120200" cy="2343300"/>
           </a:xfrm>
           <a:prstGeom prst="rect">
@@ -8692,17 +8800,21 @@
               <a:buNone/>
             </a:pPr>
             <a:r>
-              <a:rPr lang="ja" sz="4800">
+              <a:rPr lang="ja" sz="4800" b="1" dirty="0">
                 <a:solidFill>
                   <a:schemeClr val="accent2"/>
                 </a:solidFill>
+                <a:latin typeface="メイリオ" panose="020B0604030504040204" pitchFamily="50" charset="-128"/>
+                <a:ea typeface="メイリオ" panose="020B0604030504040204" pitchFamily="50" charset="-128"/>
               </a:rPr>
               <a:t>DynamoDB Scan vs Query: パフォーマンスとコストの比較</a:t>
             </a:r>
-            <a:endParaRPr sz="4800">
+            <a:endParaRPr sz="4800" b="1" dirty="0">
               <a:solidFill>
                 <a:schemeClr val="accent2"/>
               </a:solidFill>
+              <a:latin typeface="メイリオ" panose="020B0604030504040204" pitchFamily="50" charset="-128"/>
+              <a:ea typeface="メイリオ" panose="020B0604030504040204" pitchFamily="50" charset="-128"/>
             </a:endParaRPr>
           </a:p>
         </p:txBody>
@@ -8740,6 +8852,58 @@
           <a:chExt cx="0" cy="0"/>
         </a:xfrm>
       </p:grpSpPr>
+      <p:sp>
+        <p:nvSpPr>
+          <p:cNvPr id="2" name="正方形/長方形 1">
+            <a:extLst>
+              <a:ext uri="{FF2B5EF4-FFF2-40B4-BE49-F238E27FC236}">
+                <a16:creationId xmlns:a16="http://schemas.microsoft.com/office/drawing/2014/main" id="{851F41F8-B7BE-E9ED-E090-D4DD03BFE043}"/>
+              </a:ext>
+            </a:extLst>
+          </p:cNvPr>
+          <p:cNvSpPr/>
+          <p:nvPr/>
+        </p:nvSpPr>
+        <p:spPr>
+          <a:xfrm>
+            <a:off x="0" y="0"/>
+            <a:ext cx="9144000" cy="5143500"/>
+          </a:xfrm>
+          <a:prstGeom prst="rect">
+            <a:avLst/>
+          </a:prstGeom>
+          <a:solidFill>
+            <a:schemeClr val="bg1"/>
+          </a:solidFill>
+          <a:ln>
+            <a:noFill/>
+          </a:ln>
+        </p:spPr>
+        <p:style>
+          <a:lnRef idx="2">
+            <a:schemeClr val="accent1">
+              <a:shade val="15000"/>
+            </a:schemeClr>
+          </a:lnRef>
+          <a:fillRef idx="1">
+            <a:schemeClr val="accent1"/>
+          </a:fillRef>
+          <a:effectRef idx="0">
+            <a:schemeClr val="accent1"/>
+          </a:effectRef>
+          <a:fontRef idx="minor">
+            <a:schemeClr val="lt1"/>
+          </a:fontRef>
+        </p:style>
+        <p:txBody>
+          <a:bodyPr rtlCol="0" anchor="ctr"/>
+          <a:lstStyle/>
+          <a:p>
+            <a:pPr algn="ctr"/>
+            <a:endParaRPr kumimoji="1" lang="ja-JP" altLang="en-US"/>
+          </a:p>
+        </p:txBody>
+      </p:sp>
       <p:pic>
         <p:nvPicPr>
           <p:cNvPr id="108" name="Google Shape;108;p22"/>
@@ -8775,7 +8939,7 @@
         </p:nvSpPr>
         <p:spPr>
           <a:xfrm>
-            <a:off x="0" y="1400100"/>
+            <a:off x="251576" y="1400100"/>
             <a:ext cx="7120200" cy="2343300"/>
           </a:xfrm>
           <a:prstGeom prst="rect">
@@ -8802,17 +8966,21 @@
               <a:buNone/>
             </a:pPr>
             <a:r>
-              <a:rPr lang="ja" sz="4800">
+              <a:rPr lang="ja" sz="4800" b="1" dirty="0">
                 <a:solidFill>
                   <a:schemeClr val="accent2"/>
                 </a:solidFill>
+                <a:latin typeface="メイリオ" panose="020B0604030504040204" pitchFamily="50" charset="-128"/>
+                <a:ea typeface="メイリオ" panose="020B0604030504040204" pitchFamily="50" charset="-128"/>
               </a:rPr>
               <a:t>DynamoDBからの</a:t>
             </a:r>
-            <a:endParaRPr sz="4800">
+            <a:endParaRPr sz="4800" b="1" dirty="0">
               <a:solidFill>
                 <a:schemeClr val="accent2"/>
               </a:solidFill>
+              <a:latin typeface="メイリオ" panose="020B0604030504040204" pitchFamily="50" charset="-128"/>
+              <a:ea typeface="メイリオ" panose="020B0604030504040204" pitchFamily="50" charset="-128"/>
             </a:endParaRPr>
           </a:p>
           <a:p>
@@ -8826,17 +8994,21 @@
               <a:buNone/>
             </a:pPr>
             <a:r>
-              <a:rPr lang="ja" sz="4800">
+              <a:rPr lang="ja" sz="4800" b="1" dirty="0">
                 <a:solidFill>
                   <a:schemeClr val="accent2"/>
                 </a:solidFill>
+                <a:latin typeface="メイリオ" panose="020B0604030504040204" pitchFamily="50" charset="-128"/>
+                <a:ea typeface="メイリオ" panose="020B0604030504040204" pitchFamily="50" charset="-128"/>
               </a:rPr>
               <a:t>全データ取得における</a:t>
             </a:r>
-            <a:endParaRPr sz="4800">
+            <a:endParaRPr sz="4800" b="1" dirty="0">
               <a:solidFill>
                 <a:schemeClr val="accent2"/>
               </a:solidFill>
+              <a:latin typeface="メイリオ" panose="020B0604030504040204" pitchFamily="50" charset="-128"/>
+              <a:ea typeface="メイリオ" panose="020B0604030504040204" pitchFamily="50" charset="-128"/>
             </a:endParaRPr>
           </a:p>
           <a:p>
@@ -8850,17 +9022,21 @@
               <a:buNone/>
             </a:pPr>
             <a:r>
-              <a:rPr lang="ja" sz="4800">
+              <a:rPr lang="ja" sz="4800" b="1" dirty="0">
                 <a:solidFill>
                   <a:schemeClr val="accent2"/>
                 </a:solidFill>
+                <a:latin typeface="メイリオ" panose="020B0604030504040204" pitchFamily="50" charset="-128"/>
+                <a:ea typeface="メイリオ" panose="020B0604030504040204" pitchFamily="50" charset="-128"/>
               </a:rPr>
               <a:t>プラクティス</a:t>
             </a:r>
-            <a:endParaRPr sz="4800">
+            <a:endParaRPr sz="4800" b="1" dirty="0">
               <a:solidFill>
                 <a:schemeClr val="accent2"/>
               </a:solidFill>
+              <a:latin typeface="メイリオ" panose="020B0604030504040204" pitchFamily="50" charset="-128"/>
+              <a:ea typeface="メイリオ" panose="020B0604030504040204" pitchFamily="50" charset="-128"/>
             </a:endParaRPr>
           </a:p>
         </p:txBody>
@@ -8898,6 +9074,58 @@
           <a:chExt cx="0" cy="0"/>
         </a:xfrm>
       </p:grpSpPr>
+      <p:sp>
+        <p:nvSpPr>
+          <p:cNvPr id="2" name="正方形/長方形 1">
+            <a:extLst>
+              <a:ext uri="{FF2B5EF4-FFF2-40B4-BE49-F238E27FC236}">
+                <a16:creationId xmlns:a16="http://schemas.microsoft.com/office/drawing/2014/main" id="{3D5160EB-1888-A83A-8555-3AE69FEC815F}"/>
+              </a:ext>
+            </a:extLst>
+          </p:cNvPr>
+          <p:cNvSpPr/>
+          <p:nvPr/>
+        </p:nvSpPr>
+        <p:spPr>
+          <a:xfrm>
+            <a:off x="0" y="0"/>
+            <a:ext cx="9144000" cy="5143500"/>
+          </a:xfrm>
+          <a:prstGeom prst="rect">
+            <a:avLst/>
+          </a:prstGeom>
+          <a:solidFill>
+            <a:schemeClr val="bg1"/>
+          </a:solidFill>
+          <a:ln>
+            <a:noFill/>
+          </a:ln>
+        </p:spPr>
+        <p:style>
+          <a:lnRef idx="2">
+            <a:schemeClr val="accent1">
+              <a:shade val="15000"/>
+            </a:schemeClr>
+          </a:lnRef>
+          <a:fillRef idx="1">
+            <a:schemeClr val="accent1"/>
+          </a:fillRef>
+          <a:effectRef idx="0">
+            <a:schemeClr val="accent1"/>
+          </a:effectRef>
+          <a:fontRef idx="minor">
+            <a:schemeClr val="lt1"/>
+          </a:fontRef>
+        </p:style>
+        <p:txBody>
+          <a:bodyPr rtlCol="0" anchor="ctr"/>
+          <a:lstStyle/>
+          <a:p>
+            <a:pPr algn="ctr"/>
+            <a:endParaRPr kumimoji="1" lang="ja-JP" altLang="en-US"/>
+          </a:p>
+        </p:txBody>
+      </p:sp>
       <p:pic>
         <p:nvPicPr>
           <p:cNvPr id="114" name="Google Shape;114;p23"/>
@@ -8933,7 +9161,7 @@
         </p:nvSpPr>
         <p:spPr>
           <a:xfrm>
-            <a:off x="0" y="2138550"/>
+            <a:off x="256414" y="2138550"/>
             <a:ext cx="7120200" cy="866400"/>
           </a:xfrm>
           <a:prstGeom prst="rect">
@@ -8960,17 +9188,21 @@
               <a:buNone/>
             </a:pPr>
             <a:r>
-              <a:rPr lang="ja" sz="4800">
+              <a:rPr lang="ja" sz="4800" b="1" dirty="0">
                 <a:solidFill>
                   <a:schemeClr val="accent2"/>
                 </a:solidFill>
+                <a:latin typeface="メイリオ" panose="020B0604030504040204" pitchFamily="50" charset="-128"/>
+                <a:ea typeface="メイリオ" panose="020B0604030504040204" pitchFamily="50" charset="-128"/>
               </a:rPr>
               <a:t>DynamoDBの並列Scan</a:t>
             </a:r>
-            <a:endParaRPr sz="4800">
+            <a:endParaRPr sz="4800" b="1" dirty="0">
               <a:solidFill>
                 <a:schemeClr val="accent2"/>
               </a:solidFill>
+              <a:latin typeface="メイリオ" panose="020B0604030504040204" pitchFamily="50" charset="-128"/>
+              <a:ea typeface="メイリオ" panose="020B0604030504040204" pitchFamily="50" charset="-128"/>
             </a:endParaRPr>
           </a:p>
         </p:txBody>
@@ -9008,6 +9240,58 @@
           <a:chExt cx="0" cy="0"/>
         </a:xfrm>
       </p:grpSpPr>
+      <p:sp>
+        <p:nvSpPr>
+          <p:cNvPr id="2" name="正方形/長方形 1">
+            <a:extLst>
+              <a:ext uri="{FF2B5EF4-FFF2-40B4-BE49-F238E27FC236}">
+                <a16:creationId xmlns:a16="http://schemas.microsoft.com/office/drawing/2014/main" id="{E4DC871D-B9DD-36F0-5F41-461EC5649748}"/>
+              </a:ext>
+            </a:extLst>
+          </p:cNvPr>
+          <p:cNvSpPr/>
+          <p:nvPr/>
+        </p:nvSpPr>
+        <p:spPr>
+          <a:xfrm>
+            <a:off x="0" y="0"/>
+            <a:ext cx="9144000" cy="5143500"/>
+          </a:xfrm>
+          <a:prstGeom prst="rect">
+            <a:avLst/>
+          </a:prstGeom>
+          <a:solidFill>
+            <a:schemeClr val="bg1"/>
+          </a:solidFill>
+          <a:ln>
+            <a:noFill/>
+          </a:ln>
+        </p:spPr>
+        <p:style>
+          <a:lnRef idx="2">
+            <a:schemeClr val="accent1">
+              <a:shade val="15000"/>
+            </a:schemeClr>
+          </a:lnRef>
+          <a:fillRef idx="1">
+            <a:schemeClr val="accent1"/>
+          </a:fillRef>
+          <a:effectRef idx="0">
+            <a:schemeClr val="accent1"/>
+          </a:effectRef>
+          <a:fontRef idx="minor">
+            <a:schemeClr val="lt1"/>
+          </a:fontRef>
+        </p:style>
+        <p:txBody>
+          <a:bodyPr rtlCol="0" anchor="ctr"/>
+          <a:lstStyle/>
+          <a:p>
+            <a:pPr algn="ctr"/>
+            <a:endParaRPr kumimoji="1" lang="ja-JP" altLang="en-US"/>
+          </a:p>
+        </p:txBody>
+      </p:sp>
       <p:pic>
         <p:nvPicPr>
           <p:cNvPr id="120" name="Google Shape;120;p24"/>
@@ -9043,7 +9327,7 @@
         </p:nvSpPr>
         <p:spPr>
           <a:xfrm>
-            <a:off x="0" y="1431450"/>
+            <a:off x="251577" y="1431450"/>
             <a:ext cx="7120200" cy="2280600"/>
           </a:xfrm>
           <a:prstGeom prst="rect">
@@ -9070,17 +9354,21 @@
               <a:buNone/>
             </a:pPr>
             <a:r>
-              <a:rPr lang="ja" sz="4800">
+              <a:rPr lang="ja" sz="4800" b="1" dirty="0">
                 <a:solidFill>
                   <a:schemeClr val="accent2"/>
                 </a:solidFill>
+                <a:latin typeface="メイリオ" panose="020B0604030504040204" pitchFamily="50" charset="-128"/>
+                <a:ea typeface="メイリオ" panose="020B0604030504040204" pitchFamily="50" charset="-128"/>
               </a:rPr>
               <a:t>同期処理におけるAWS Lambda関数タイムアウトのハンドリング検討</a:t>
             </a:r>
-            <a:endParaRPr sz="4800">
+            <a:endParaRPr sz="4800" b="1" dirty="0">
               <a:solidFill>
                 <a:schemeClr val="accent2"/>
               </a:solidFill>
+              <a:latin typeface="メイリオ" panose="020B0604030504040204" pitchFamily="50" charset="-128"/>
+              <a:ea typeface="メイリオ" panose="020B0604030504040204" pitchFamily="50" charset="-128"/>
             </a:endParaRPr>
           </a:p>
         </p:txBody>
@@ -9118,6 +9406,58 @@
           <a:chExt cx="0" cy="0"/>
         </a:xfrm>
       </p:grpSpPr>
+      <p:sp>
+        <p:nvSpPr>
+          <p:cNvPr id="2" name="正方形/長方形 1">
+            <a:extLst>
+              <a:ext uri="{FF2B5EF4-FFF2-40B4-BE49-F238E27FC236}">
+                <a16:creationId xmlns:a16="http://schemas.microsoft.com/office/drawing/2014/main" id="{04F0F734-79AB-7EDF-2A98-A0F3BE8BF42C}"/>
+              </a:ext>
+            </a:extLst>
+          </p:cNvPr>
+          <p:cNvSpPr/>
+          <p:nvPr/>
+        </p:nvSpPr>
+        <p:spPr>
+          <a:xfrm>
+            <a:off x="0" y="0"/>
+            <a:ext cx="9144000" cy="5143500"/>
+          </a:xfrm>
+          <a:prstGeom prst="rect">
+            <a:avLst/>
+          </a:prstGeom>
+          <a:solidFill>
+            <a:schemeClr val="bg1"/>
+          </a:solidFill>
+          <a:ln>
+            <a:noFill/>
+          </a:ln>
+        </p:spPr>
+        <p:style>
+          <a:lnRef idx="2">
+            <a:schemeClr val="accent1">
+              <a:shade val="15000"/>
+            </a:schemeClr>
+          </a:lnRef>
+          <a:fillRef idx="1">
+            <a:schemeClr val="accent1"/>
+          </a:fillRef>
+          <a:effectRef idx="0">
+            <a:schemeClr val="accent1"/>
+          </a:effectRef>
+          <a:fontRef idx="minor">
+            <a:schemeClr val="lt1"/>
+          </a:fontRef>
+        </p:style>
+        <p:txBody>
+          <a:bodyPr rtlCol="0" anchor="ctr"/>
+          <a:lstStyle/>
+          <a:p>
+            <a:pPr algn="ctr"/>
+            <a:endParaRPr kumimoji="1" lang="ja-JP" altLang="en-US"/>
+          </a:p>
+        </p:txBody>
+      </p:sp>
       <p:pic>
         <p:nvPicPr>
           <p:cNvPr id="126" name="Google Shape;126;p25"/>
@@ -9153,7 +9493,7 @@
         </p:nvSpPr>
         <p:spPr>
           <a:xfrm>
-            <a:off x="0" y="1747800"/>
+            <a:off x="256414" y="1747800"/>
             <a:ext cx="7120200" cy="1647900"/>
           </a:xfrm>
           <a:prstGeom prst="rect">
@@ -9180,17 +9520,21 @@
               <a:buNone/>
             </a:pPr>
             <a:r>
-              <a:rPr lang="ja" sz="4800">
+              <a:rPr lang="ja" sz="4800" b="1" dirty="0">
                 <a:solidFill>
                   <a:schemeClr val="accent2"/>
                 </a:solidFill>
+                <a:latin typeface="メイリオ" panose="020B0604030504040204" pitchFamily="50" charset="-128"/>
+                <a:ea typeface="メイリオ" panose="020B0604030504040204" pitchFamily="50" charset="-128"/>
               </a:rPr>
               <a:t>Flowiseを使ってAIエージェントを作ろう！</a:t>
             </a:r>
-            <a:endParaRPr sz="4800">
+            <a:endParaRPr sz="4800" b="1" dirty="0">
               <a:solidFill>
                 <a:schemeClr val="accent2"/>
               </a:solidFill>
+              <a:latin typeface="メイリオ" panose="020B0604030504040204" pitchFamily="50" charset="-128"/>
+              <a:ea typeface="メイリオ" panose="020B0604030504040204" pitchFamily="50" charset="-128"/>
             </a:endParaRPr>
           </a:p>
         </p:txBody>
@@ -9228,6 +9572,58 @@
           <a:chExt cx="0" cy="0"/>
         </a:xfrm>
       </p:grpSpPr>
+      <p:sp>
+        <p:nvSpPr>
+          <p:cNvPr id="2" name="正方形/長方形 1">
+            <a:extLst>
+              <a:ext uri="{FF2B5EF4-FFF2-40B4-BE49-F238E27FC236}">
+                <a16:creationId xmlns:a16="http://schemas.microsoft.com/office/drawing/2014/main" id="{C67D2E9D-3B77-B613-89F0-12DDB9950D6E}"/>
+              </a:ext>
+            </a:extLst>
+          </p:cNvPr>
+          <p:cNvSpPr/>
+          <p:nvPr/>
+        </p:nvSpPr>
+        <p:spPr>
+          <a:xfrm>
+            <a:off x="0" y="0"/>
+            <a:ext cx="9144000" cy="5143500"/>
+          </a:xfrm>
+          <a:prstGeom prst="rect">
+            <a:avLst/>
+          </a:prstGeom>
+          <a:solidFill>
+            <a:schemeClr val="bg1"/>
+          </a:solidFill>
+          <a:ln>
+            <a:noFill/>
+          </a:ln>
+        </p:spPr>
+        <p:style>
+          <a:lnRef idx="2">
+            <a:schemeClr val="accent1">
+              <a:shade val="15000"/>
+            </a:schemeClr>
+          </a:lnRef>
+          <a:fillRef idx="1">
+            <a:schemeClr val="accent1"/>
+          </a:fillRef>
+          <a:effectRef idx="0">
+            <a:schemeClr val="accent1"/>
+          </a:effectRef>
+          <a:fontRef idx="minor">
+            <a:schemeClr val="lt1"/>
+          </a:fontRef>
+        </p:style>
+        <p:txBody>
+          <a:bodyPr rtlCol="0" anchor="ctr"/>
+          <a:lstStyle/>
+          <a:p>
+            <a:pPr algn="ctr"/>
+            <a:endParaRPr kumimoji="1" lang="ja-JP" altLang="en-US"/>
+          </a:p>
+        </p:txBody>
+      </p:sp>
       <p:pic>
         <p:nvPicPr>
           <p:cNvPr id="132" name="Google Shape;132;p26"/>
@@ -9263,7 +9659,7 @@
         </p:nvSpPr>
         <p:spPr>
           <a:xfrm>
-            <a:off x="0" y="1747800"/>
+            <a:off x="261252" y="1747800"/>
             <a:ext cx="7120200" cy="1647900"/>
           </a:xfrm>
           <a:prstGeom prst="rect">
@@ -9290,17 +9686,21 @@
               <a:buNone/>
             </a:pPr>
             <a:r>
-              <a:rPr lang="ja" sz="4800">
+              <a:rPr lang="ja" sz="4800" b="1" dirty="0">
                 <a:solidFill>
                   <a:schemeClr val="accent2"/>
                 </a:solidFill>
+                <a:latin typeface="メイリオ" panose="020B0604030504040204" pitchFamily="50" charset="-128"/>
+                <a:ea typeface="メイリオ" panose="020B0604030504040204" pitchFamily="50" charset="-128"/>
               </a:rPr>
               <a:t>Flowiseで始める簡単RAGチャットボット</a:t>
             </a:r>
-            <a:endParaRPr sz="4800">
+            <a:endParaRPr sz="4800" b="1" dirty="0">
               <a:solidFill>
                 <a:schemeClr val="accent2"/>
               </a:solidFill>
+              <a:latin typeface="メイリオ" panose="020B0604030504040204" pitchFamily="50" charset="-128"/>
+              <a:ea typeface="メイリオ" panose="020B0604030504040204" pitchFamily="50" charset="-128"/>
             </a:endParaRPr>
           </a:p>
         </p:txBody>
@@ -9338,6 +9738,58 @@
           <a:chExt cx="0" cy="0"/>
         </a:xfrm>
       </p:grpSpPr>
+      <p:sp>
+        <p:nvSpPr>
+          <p:cNvPr id="2" name="正方形/長方形 1">
+            <a:extLst>
+              <a:ext uri="{FF2B5EF4-FFF2-40B4-BE49-F238E27FC236}">
+                <a16:creationId xmlns:a16="http://schemas.microsoft.com/office/drawing/2014/main" id="{2E2F1F23-9C1F-2149-2FCC-1A62333E527E}"/>
+              </a:ext>
+            </a:extLst>
+          </p:cNvPr>
+          <p:cNvSpPr/>
+          <p:nvPr/>
+        </p:nvSpPr>
+        <p:spPr>
+          <a:xfrm>
+            <a:off x="0" y="0"/>
+            <a:ext cx="9144000" cy="5143500"/>
+          </a:xfrm>
+          <a:prstGeom prst="rect">
+            <a:avLst/>
+          </a:prstGeom>
+          <a:solidFill>
+            <a:schemeClr val="bg1"/>
+          </a:solidFill>
+          <a:ln>
+            <a:noFill/>
+          </a:ln>
+        </p:spPr>
+        <p:style>
+          <a:lnRef idx="2">
+            <a:schemeClr val="accent1">
+              <a:shade val="15000"/>
+            </a:schemeClr>
+          </a:lnRef>
+          <a:fillRef idx="1">
+            <a:schemeClr val="accent1"/>
+          </a:fillRef>
+          <a:effectRef idx="0">
+            <a:schemeClr val="accent1"/>
+          </a:effectRef>
+          <a:fontRef idx="minor">
+            <a:schemeClr val="lt1"/>
+          </a:fontRef>
+        </p:style>
+        <p:txBody>
+          <a:bodyPr rtlCol="0" anchor="ctr"/>
+          <a:lstStyle/>
+          <a:p>
+            <a:pPr algn="ctr"/>
+            <a:endParaRPr kumimoji="1" lang="ja-JP" altLang="en-US"/>
+          </a:p>
+        </p:txBody>
+      </p:sp>
       <p:pic>
         <p:nvPicPr>
           <p:cNvPr id="138" name="Google Shape;138;p27"/>
@@ -9373,7 +9825,7 @@
         </p:nvSpPr>
         <p:spPr>
           <a:xfrm>
-            <a:off x="0" y="1747800"/>
+            <a:off x="251578" y="1747800"/>
             <a:ext cx="7120200" cy="1647900"/>
           </a:xfrm>
           <a:prstGeom prst="rect">
@@ -9400,17 +9852,21 @@
               <a:buNone/>
             </a:pPr>
             <a:r>
-              <a:rPr lang="ja" sz="4800">
+              <a:rPr lang="ja" sz="4800" b="1" dirty="0">
                 <a:solidFill>
                   <a:schemeClr val="accent2"/>
                 </a:solidFill>
+                <a:latin typeface="メイリオ" panose="020B0604030504040204" pitchFamily="50" charset="-128"/>
+                <a:ea typeface="メイリオ" panose="020B0604030504040204" pitchFamily="50" charset="-128"/>
               </a:rPr>
               <a:t>LLMファインチューニングのチュートリアル</a:t>
             </a:r>
-            <a:endParaRPr sz="4800">
+            <a:endParaRPr sz="4800" b="1" dirty="0">
               <a:solidFill>
                 <a:schemeClr val="accent2"/>
               </a:solidFill>
+              <a:latin typeface="メイリオ" panose="020B0604030504040204" pitchFamily="50" charset="-128"/>
+              <a:ea typeface="メイリオ" panose="020B0604030504040204" pitchFamily="50" charset="-128"/>
             </a:endParaRPr>
           </a:p>
         </p:txBody>
@@ -9448,6 +9904,58 @@
           <a:chExt cx="0" cy="0"/>
         </a:xfrm>
       </p:grpSpPr>
+      <p:sp>
+        <p:nvSpPr>
+          <p:cNvPr id="2" name="正方形/長方形 1">
+            <a:extLst>
+              <a:ext uri="{FF2B5EF4-FFF2-40B4-BE49-F238E27FC236}">
+                <a16:creationId xmlns:a16="http://schemas.microsoft.com/office/drawing/2014/main" id="{2F77C276-F458-2046-6911-5268EEA66572}"/>
+              </a:ext>
+            </a:extLst>
+          </p:cNvPr>
+          <p:cNvSpPr/>
+          <p:nvPr/>
+        </p:nvSpPr>
+        <p:spPr>
+          <a:xfrm>
+            <a:off x="0" y="0"/>
+            <a:ext cx="9144000" cy="5143500"/>
+          </a:xfrm>
+          <a:prstGeom prst="rect">
+            <a:avLst/>
+          </a:prstGeom>
+          <a:solidFill>
+            <a:schemeClr val="bg1"/>
+          </a:solidFill>
+          <a:ln>
+            <a:noFill/>
+          </a:ln>
+        </p:spPr>
+        <p:style>
+          <a:lnRef idx="2">
+            <a:schemeClr val="accent1">
+              <a:shade val="15000"/>
+            </a:schemeClr>
+          </a:lnRef>
+          <a:fillRef idx="1">
+            <a:schemeClr val="accent1"/>
+          </a:fillRef>
+          <a:effectRef idx="0">
+            <a:schemeClr val="accent1"/>
+          </a:effectRef>
+          <a:fontRef idx="minor">
+            <a:schemeClr val="lt1"/>
+          </a:fontRef>
+        </p:style>
+        <p:txBody>
+          <a:bodyPr rtlCol="0" anchor="ctr"/>
+          <a:lstStyle/>
+          <a:p>
+            <a:pPr algn="ctr"/>
+            <a:endParaRPr kumimoji="1" lang="ja-JP" altLang="en-US"/>
+          </a:p>
+        </p:txBody>
+      </p:sp>
       <p:pic>
         <p:nvPicPr>
           <p:cNvPr id="144" name="Google Shape;144;p28"/>
@@ -9483,7 +9991,7 @@
         </p:nvSpPr>
         <p:spPr>
           <a:xfrm>
-            <a:off x="0" y="1713750"/>
+            <a:off x="251576" y="1713750"/>
             <a:ext cx="7120200" cy="1716000"/>
           </a:xfrm>
           <a:prstGeom prst="rect">
@@ -9510,17 +10018,21 @@
               <a:buNone/>
             </a:pPr>
             <a:r>
-              <a:rPr lang="ja" sz="4800" dirty="0">
+              <a:rPr lang="ja" sz="4800" b="1" dirty="0">
                 <a:solidFill>
                   <a:schemeClr val="accent2"/>
                 </a:solidFill>
+                <a:latin typeface="メイリオ" panose="020B0604030504040204" pitchFamily="50" charset="-128"/>
+                <a:ea typeface="メイリオ" panose="020B0604030504040204" pitchFamily="50" charset="-128"/>
               </a:rPr>
               <a:t>【Ollama】ローカルでLLMを動かしてみよう！</a:t>
             </a:r>
-            <a:endParaRPr sz="4800" dirty="0">
+            <a:endParaRPr sz="4800" b="1" dirty="0">
               <a:solidFill>
                 <a:schemeClr val="accent2"/>
               </a:solidFill>
+              <a:latin typeface="メイリオ" panose="020B0604030504040204" pitchFamily="50" charset="-128"/>
+              <a:ea typeface="メイリオ" panose="020B0604030504040204" pitchFamily="50" charset="-128"/>
             </a:endParaRPr>
           </a:p>
         </p:txBody>
@@ -9558,6 +10070,58 @@
           <a:chExt cx="0" cy="0"/>
         </a:xfrm>
       </p:grpSpPr>
+      <p:sp>
+        <p:nvSpPr>
+          <p:cNvPr id="2" name="正方形/長方形 1">
+            <a:extLst>
+              <a:ext uri="{FF2B5EF4-FFF2-40B4-BE49-F238E27FC236}">
+                <a16:creationId xmlns:a16="http://schemas.microsoft.com/office/drawing/2014/main" id="{FF21E442-B5B8-A800-4BC9-83987CBA92F8}"/>
+              </a:ext>
+            </a:extLst>
+          </p:cNvPr>
+          <p:cNvSpPr/>
+          <p:nvPr/>
+        </p:nvSpPr>
+        <p:spPr>
+          <a:xfrm>
+            <a:off x="0" y="0"/>
+            <a:ext cx="9144000" cy="5143500"/>
+          </a:xfrm>
+          <a:prstGeom prst="rect">
+            <a:avLst/>
+          </a:prstGeom>
+          <a:solidFill>
+            <a:schemeClr val="bg1"/>
+          </a:solidFill>
+          <a:ln>
+            <a:noFill/>
+          </a:ln>
+        </p:spPr>
+        <p:style>
+          <a:lnRef idx="2">
+            <a:schemeClr val="accent1">
+              <a:shade val="15000"/>
+            </a:schemeClr>
+          </a:lnRef>
+          <a:fillRef idx="1">
+            <a:schemeClr val="accent1"/>
+          </a:fillRef>
+          <a:effectRef idx="0">
+            <a:schemeClr val="accent1"/>
+          </a:effectRef>
+          <a:fontRef idx="minor">
+            <a:schemeClr val="lt1"/>
+          </a:fontRef>
+        </p:style>
+        <p:txBody>
+          <a:bodyPr rtlCol="0" anchor="ctr"/>
+          <a:lstStyle/>
+          <a:p>
+            <a:pPr algn="ctr"/>
+            <a:endParaRPr kumimoji="1" lang="ja-JP" altLang="en-US"/>
+          </a:p>
+        </p:txBody>
+      </p:sp>
       <p:pic>
         <p:nvPicPr>
           <p:cNvPr id="150" name="Google Shape;150;p29"/>
@@ -9593,7 +10157,7 @@
         </p:nvSpPr>
         <p:spPr>
           <a:xfrm>
-            <a:off x="0" y="1369200"/>
+            <a:off x="256414" y="1369200"/>
             <a:ext cx="7120200" cy="2405100"/>
           </a:xfrm>
           <a:prstGeom prst="rect">
@@ -9620,17 +10184,21 @@
               <a:buNone/>
             </a:pPr>
             <a:r>
-              <a:rPr lang="ja" sz="4800">
+              <a:rPr lang="ja" sz="4800" b="1" dirty="0">
                 <a:solidFill>
                   <a:schemeClr val="accent2"/>
                 </a:solidFill>
+                <a:latin typeface="メイリオ" panose="020B0604030504040204" pitchFamily="50" charset="-128"/>
+                <a:ea typeface="メイリオ" panose="020B0604030504040204" pitchFamily="50" charset="-128"/>
               </a:rPr>
               <a:t>【PDF操作比較】pypdfでPDFからテキスト抽出を行う方法</a:t>
             </a:r>
-            <a:endParaRPr sz="4800">
+            <a:endParaRPr sz="4800" b="1" dirty="0">
               <a:solidFill>
                 <a:schemeClr val="accent2"/>
               </a:solidFill>
+              <a:latin typeface="メイリオ" panose="020B0604030504040204" pitchFamily="50" charset="-128"/>
+              <a:ea typeface="メイリオ" panose="020B0604030504040204" pitchFamily="50" charset="-128"/>
             </a:endParaRPr>
           </a:p>
         </p:txBody>
@@ -9666,168 +10234,147 @@
           <a:chExt cx="0" cy="0"/>
         </a:xfrm>
       </p:grpSpPr>
-      <p:grpSp>
-        <p:nvGrpSpPr>
-          <p:cNvPr id="3" name="グループ化 2">
+      <p:sp>
+        <p:nvSpPr>
+          <p:cNvPr id="2" name="正方形/長方形 1">
             <a:extLst>
               <a:ext uri="{FF2B5EF4-FFF2-40B4-BE49-F238E27FC236}">
-                <a16:creationId xmlns:a16="http://schemas.microsoft.com/office/drawing/2014/main" id="{841369CF-DD34-EE63-E7A8-74445C3640C4}"/>
+                <a16:creationId xmlns:a16="http://schemas.microsoft.com/office/drawing/2014/main" id="{2A66988F-66B8-7915-D4D7-AD2087081C74}"/>
               </a:ext>
             </a:extLst>
           </p:cNvPr>
-          <p:cNvGrpSpPr/>
+          <p:cNvSpPr/>
           <p:nvPr/>
-        </p:nvGrpSpPr>
-        <p:grpSpPr>
+        </p:nvSpPr>
+        <p:spPr>
           <a:xfrm>
             <a:off x="0" y="0"/>
             <a:ext cx="9144000" cy="5143500"/>
-            <a:chOff x="0" y="0"/>
-            <a:chExt cx="9144000" cy="5143500"/>
-          </a:xfrm>
-        </p:grpSpPr>
-        <p:sp>
-          <p:nvSpPr>
-            <p:cNvPr id="2" name="正方形/長方形 1">
-              <a:extLst>
-                <a:ext uri="{FF2B5EF4-FFF2-40B4-BE49-F238E27FC236}">
-                  <a16:creationId xmlns:a16="http://schemas.microsoft.com/office/drawing/2014/main" id="{2A66988F-66B8-7915-D4D7-AD2087081C74}"/>
-                </a:ext>
-              </a:extLst>
-            </p:cNvPr>
-            <p:cNvSpPr/>
-            <p:nvPr/>
-          </p:nvSpPr>
-          <p:spPr>
-            <a:xfrm>
-              <a:off x="0" y="0"/>
-              <a:ext cx="9144000" cy="5143500"/>
-            </a:xfrm>
-            <a:prstGeom prst="rect">
-              <a:avLst/>
-            </a:prstGeom>
-            <a:solidFill>
-              <a:schemeClr val="bg1"/>
-            </a:solidFill>
-            <a:ln>
-              <a:noFill/>
-            </a:ln>
-          </p:spPr>
-          <p:style>
-            <a:lnRef idx="2">
-              <a:schemeClr val="accent1">
-                <a:shade val="15000"/>
-              </a:schemeClr>
-            </a:lnRef>
-            <a:fillRef idx="1">
-              <a:schemeClr val="accent1"/>
-            </a:fillRef>
-            <a:effectRef idx="0">
-              <a:schemeClr val="accent1"/>
-            </a:effectRef>
-            <a:fontRef idx="minor">
-              <a:schemeClr val="lt1"/>
-            </a:fontRef>
-          </p:style>
-          <p:txBody>
-            <a:bodyPr rtlCol="0" anchor="ctr"/>
-            <a:lstStyle/>
-            <a:p>
-              <a:pPr algn="ctr"/>
-              <a:endParaRPr kumimoji="1" lang="ja-JP" altLang="en-US"/>
-            </a:p>
-          </p:txBody>
-        </p:sp>
-        <p:pic>
-          <p:nvPicPr>
-            <p:cNvPr id="54" name="Google Shape;54;p13">
-              <a:extLst>
-                <a:ext uri="{FF2B5EF4-FFF2-40B4-BE49-F238E27FC236}">
-                  <a16:creationId xmlns:a16="http://schemas.microsoft.com/office/drawing/2014/main" id="{96D050A4-76B2-F94F-AF46-12248703E6E4}"/>
-                </a:ext>
-              </a:extLst>
-            </p:cNvPr>
-            <p:cNvPicPr preferRelativeResize="0"/>
-            <p:nvPr/>
-          </p:nvPicPr>
-          <p:blipFill rotWithShape="1">
-            <a:blip r:embed="rId3">
-              <a:alphaModFix/>
-            </a:blip>
-            <a:srcRect l="9787" t="7525" r="9987" b="23432"/>
-            <a:stretch/>
-          </p:blipFill>
-          <p:spPr>
-            <a:xfrm>
-              <a:off x="4964100" y="0"/>
-              <a:ext cx="4179900" cy="4004525"/>
-            </a:xfrm>
-            <a:prstGeom prst="rect">
-              <a:avLst/>
-            </a:prstGeom>
+          </a:xfrm>
+          <a:prstGeom prst="rect">
+            <a:avLst/>
+          </a:prstGeom>
+          <a:solidFill>
+            <a:schemeClr val="bg1"/>
+          </a:solidFill>
+          <a:ln>
             <a:noFill/>
-            <a:ln>
-              <a:noFill/>
-            </a:ln>
-          </p:spPr>
-        </p:pic>
-        <p:sp>
-          <p:nvSpPr>
-            <p:cNvPr id="55" name="Google Shape;55;p13">
-              <a:extLst>
-                <a:ext uri="{FF2B5EF4-FFF2-40B4-BE49-F238E27FC236}">
-                  <a16:creationId xmlns:a16="http://schemas.microsoft.com/office/drawing/2014/main" id="{C7E16D8C-B3F9-20AC-0B04-01AE243DBC16}"/>
-                </a:ext>
-              </a:extLst>
-            </p:cNvPr>
-            <p:cNvSpPr txBox="1"/>
-            <p:nvPr/>
-          </p:nvSpPr>
-          <p:spPr>
-            <a:xfrm>
-              <a:off x="0" y="2212050"/>
-              <a:ext cx="6167400" cy="719400"/>
-            </a:xfrm>
-            <a:prstGeom prst="rect">
-              <a:avLst/>
-            </a:prstGeom>
+          </a:ln>
+        </p:spPr>
+        <p:style>
+          <a:lnRef idx="2">
+            <a:schemeClr val="accent1">
+              <a:shade val="15000"/>
+            </a:schemeClr>
+          </a:lnRef>
+          <a:fillRef idx="1">
+            <a:schemeClr val="accent1"/>
+          </a:fillRef>
+          <a:effectRef idx="0">
+            <a:schemeClr val="accent1"/>
+          </a:effectRef>
+          <a:fontRef idx="minor">
+            <a:schemeClr val="lt1"/>
+          </a:fontRef>
+        </p:style>
+        <p:txBody>
+          <a:bodyPr rtlCol="0" anchor="ctr"/>
+          <a:lstStyle/>
+          <a:p>
+            <a:pPr algn="ctr"/>
+            <a:endParaRPr kumimoji="1" lang="ja-JP" altLang="en-US"/>
+          </a:p>
+        </p:txBody>
+      </p:sp>
+      <p:pic>
+        <p:nvPicPr>
+          <p:cNvPr id="54" name="Google Shape;54;p13">
+            <a:extLst>
+              <a:ext uri="{FF2B5EF4-FFF2-40B4-BE49-F238E27FC236}">
+                <a16:creationId xmlns:a16="http://schemas.microsoft.com/office/drawing/2014/main" id="{96D050A4-76B2-F94F-AF46-12248703E6E4}"/>
+              </a:ext>
+            </a:extLst>
+          </p:cNvPr>
+          <p:cNvPicPr preferRelativeResize="0"/>
+          <p:nvPr/>
+        </p:nvPicPr>
+        <p:blipFill rotWithShape="1">
+          <a:blip r:embed="rId3">
+            <a:alphaModFix/>
+          </a:blip>
+          <a:srcRect l="9787" t="7525" r="9987" b="23432"/>
+          <a:stretch/>
+        </p:blipFill>
+        <p:spPr>
+          <a:xfrm>
+            <a:off x="4964100" y="0"/>
+            <a:ext cx="4179900" cy="4004525"/>
+          </a:xfrm>
+          <a:prstGeom prst="rect">
+            <a:avLst/>
+          </a:prstGeom>
+          <a:noFill/>
+          <a:ln>
             <a:noFill/>
-            <a:ln>
-              <a:noFill/>
-            </a:ln>
-          </p:spPr>
-          <p:txBody>
-            <a:bodyPr spcFirstLastPara="1" wrap="square" lIns="91425" tIns="91425" rIns="91425" bIns="91425" anchor="t" anchorCtr="0">
-              <a:noAutofit/>
-            </a:bodyPr>
-            <a:lstStyle/>
-            <a:p>
-              <a:pPr marL="0" lvl="0" indent="0" algn="l" rtl="0">
-                <a:spcBef>
-                  <a:spcPts val="0"/>
-                </a:spcBef>
-                <a:spcAft>
-                  <a:spcPts val="0"/>
-                </a:spcAft>
-                <a:buNone/>
-              </a:pPr>
-              <a:r>
-                <a:rPr lang="ja-JP" altLang="en-US" sz="4800" dirty="0">
-                  <a:solidFill>
-                    <a:schemeClr val="accent2"/>
-                  </a:solidFill>
-                </a:rPr>
-                <a:t>サムネイル画像</a:t>
-              </a:r>
-              <a:endParaRPr sz="4800" dirty="0">
+          </a:ln>
+        </p:spPr>
+      </p:pic>
+      <p:sp>
+        <p:nvSpPr>
+          <p:cNvPr id="55" name="Google Shape;55;p13">
+            <a:extLst>
+              <a:ext uri="{FF2B5EF4-FFF2-40B4-BE49-F238E27FC236}">
+                <a16:creationId xmlns:a16="http://schemas.microsoft.com/office/drawing/2014/main" id="{C7E16D8C-B3F9-20AC-0B04-01AE243DBC16}"/>
+              </a:ext>
+            </a:extLst>
+          </p:cNvPr>
+          <p:cNvSpPr txBox="1"/>
+          <p:nvPr/>
+        </p:nvSpPr>
+        <p:spPr>
+          <a:xfrm>
+            <a:off x="0" y="2212050"/>
+            <a:ext cx="6167400" cy="719400"/>
+          </a:xfrm>
+          <a:prstGeom prst="rect">
+            <a:avLst/>
+          </a:prstGeom>
+          <a:noFill/>
+          <a:ln>
+            <a:noFill/>
+          </a:ln>
+        </p:spPr>
+        <p:txBody>
+          <a:bodyPr spcFirstLastPara="1" wrap="square" lIns="91425" tIns="91425" rIns="91425" bIns="91425" anchor="t" anchorCtr="0">
+            <a:noAutofit/>
+          </a:bodyPr>
+          <a:lstStyle/>
+          <a:p>
+            <a:pPr marL="0" lvl="0" indent="0" algn="l" rtl="0">
+              <a:spcBef>
+                <a:spcPts val="0"/>
+              </a:spcBef>
+              <a:spcAft>
+                <a:spcPts val="0"/>
+              </a:spcAft>
+              <a:buNone/>
+            </a:pPr>
+            <a:r>
+              <a:rPr lang="ja-JP" altLang="en-US" sz="4800" dirty="0">
                 <a:solidFill>
                   <a:schemeClr val="accent2"/>
                 </a:solidFill>
-              </a:endParaRPr>
-            </a:p>
-          </p:txBody>
-        </p:sp>
-      </p:grpSp>
+              </a:rPr>
+              <a:t>サムネイル画像</a:t>
+            </a:r>
+            <a:endParaRPr sz="4800" dirty="0">
+              <a:solidFill>
+                <a:schemeClr val="accent2"/>
+              </a:solidFill>
+            </a:endParaRPr>
+          </a:p>
+        </p:txBody>
+      </p:sp>
     </p:spTree>
     <p:extLst>
       <p:ext uri="{BB962C8B-B14F-4D97-AF65-F5344CB8AC3E}">
@@ -9866,6 +10413,58 @@
           <a:chExt cx="0" cy="0"/>
         </a:xfrm>
       </p:grpSpPr>
+      <p:sp>
+        <p:nvSpPr>
+          <p:cNvPr id="2" name="正方形/長方形 1">
+            <a:extLst>
+              <a:ext uri="{FF2B5EF4-FFF2-40B4-BE49-F238E27FC236}">
+                <a16:creationId xmlns:a16="http://schemas.microsoft.com/office/drawing/2014/main" id="{BA3A53AF-CD16-85D6-D525-D48BE3220E4F}"/>
+              </a:ext>
+            </a:extLst>
+          </p:cNvPr>
+          <p:cNvSpPr/>
+          <p:nvPr/>
+        </p:nvSpPr>
+        <p:spPr>
+          <a:xfrm>
+            <a:off x="0" y="0"/>
+            <a:ext cx="9144000" cy="5143500"/>
+          </a:xfrm>
+          <a:prstGeom prst="rect">
+            <a:avLst/>
+          </a:prstGeom>
+          <a:solidFill>
+            <a:schemeClr val="bg1"/>
+          </a:solidFill>
+          <a:ln>
+            <a:noFill/>
+          </a:ln>
+        </p:spPr>
+        <p:style>
+          <a:lnRef idx="2">
+            <a:schemeClr val="accent1">
+              <a:shade val="15000"/>
+            </a:schemeClr>
+          </a:lnRef>
+          <a:fillRef idx="1">
+            <a:schemeClr val="accent1"/>
+          </a:fillRef>
+          <a:effectRef idx="0">
+            <a:schemeClr val="accent1"/>
+          </a:effectRef>
+          <a:fontRef idx="minor">
+            <a:schemeClr val="lt1"/>
+          </a:fontRef>
+        </p:style>
+        <p:txBody>
+          <a:bodyPr rtlCol="0" anchor="ctr"/>
+          <a:lstStyle/>
+          <a:p>
+            <a:pPr algn="ctr"/>
+            <a:endParaRPr kumimoji="1" lang="ja-JP" altLang="en-US"/>
+          </a:p>
+        </p:txBody>
+      </p:sp>
       <p:pic>
         <p:nvPicPr>
           <p:cNvPr id="156" name="Google Shape;156;p30"/>
@@ -9901,7 +10500,7 @@
         </p:nvSpPr>
         <p:spPr>
           <a:xfrm>
-            <a:off x="0" y="1369200"/>
+            <a:off x="251576" y="1369200"/>
             <a:ext cx="7120200" cy="2405100"/>
           </a:xfrm>
           <a:prstGeom prst="rect">
@@ -9928,17 +10527,21 @@
               <a:buNone/>
             </a:pPr>
             <a:r>
-              <a:rPr lang="ja" sz="4800">
+              <a:rPr lang="ja" sz="4800" b="1" dirty="0">
                 <a:solidFill>
                   <a:schemeClr val="accent2"/>
                 </a:solidFill>
+                <a:latin typeface="メイリオ" panose="020B0604030504040204" pitchFamily="50" charset="-128"/>
+                <a:ea typeface="メイリオ" panose="020B0604030504040204" pitchFamily="50" charset="-128"/>
               </a:rPr>
               <a:t>【PDF操作比較】pdfplumberでPDFからテキストも表も簡単抽出</a:t>
             </a:r>
-            <a:endParaRPr sz="4800">
+            <a:endParaRPr sz="4800" b="1" dirty="0">
               <a:solidFill>
                 <a:schemeClr val="accent2"/>
               </a:solidFill>
+              <a:latin typeface="メイリオ" panose="020B0604030504040204" pitchFamily="50" charset="-128"/>
+              <a:ea typeface="メイリオ" panose="020B0604030504040204" pitchFamily="50" charset="-128"/>
             </a:endParaRPr>
           </a:p>
         </p:txBody>
@@ -9976,6 +10579,58 @@
           <a:chExt cx="0" cy="0"/>
         </a:xfrm>
       </p:grpSpPr>
+      <p:sp>
+        <p:nvSpPr>
+          <p:cNvPr id="2" name="正方形/長方形 1">
+            <a:extLst>
+              <a:ext uri="{FF2B5EF4-FFF2-40B4-BE49-F238E27FC236}">
+                <a16:creationId xmlns:a16="http://schemas.microsoft.com/office/drawing/2014/main" id="{EEF49B1D-39B4-30B3-62E5-8E58EAC2C0EC}"/>
+              </a:ext>
+            </a:extLst>
+          </p:cNvPr>
+          <p:cNvSpPr/>
+          <p:nvPr/>
+        </p:nvSpPr>
+        <p:spPr>
+          <a:xfrm>
+            <a:off x="0" y="0"/>
+            <a:ext cx="9144000" cy="5143500"/>
+          </a:xfrm>
+          <a:prstGeom prst="rect">
+            <a:avLst/>
+          </a:prstGeom>
+          <a:solidFill>
+            <a:schemeClr val="bg1"/>
+          </a:solidFill>
+          <a:ln>
+            <a:noFill/>
+          </a:ln>
+        </p:spPr>
+        <p:style>
+          <a:lnRef idx="2">
+            <a:schemeClr val="accent1">
+              <a:shade val="15000"/>
+            </a:schemeClr>
+          </a:lnRef>
+          <a:fillRef idx="1">
+            <a:schemeClr val="accent1"/>
+          </a:fillRef>
+          <a:effectRef idx="0">
+            <a:schemeClr val="accent1"/>
+          </a:effectRef>
+          <a:fontRef idx="minor">
+            <a:schemeClr val="lt1"/>
+          </a:fontRef>
+        </p:style>
+        <p:txBody>
+          <a:bodyPr rtlCol="0" anchor="ctr"/>
+          <a:lstStyle/>
+          <a:p>
+            <a:pPr algn="ctr"/>
+            <a:endParaRPr kumimoji="1" lang="ja-JP" altLang="en-US"/>
+          </a:p>
+        </p:txBody>
+      </p:sp>
       <p:pic>
         <p:nvPicPr>
           <p:cNvPr id="162" name="Google Shape;162;p31"/>
@@ -10011,7 +10666,7 @@
         </p:nvSpPr>
         <p:spPr>
           <a:xfrm>
-            <a:off x="0" y="1369200"/>
+            <a:off x="251576" y="1369200"/>
             <a:ext cx="7120200" cy="2405100"/>
           </a:xfrm>
           <a:prstGeom prst="rect">
@@ -10038,17 +10693,21 @@
               <a:buNone/>
             </a:pPr>
             <a:r>
-              <a:rPr lang="ja" sz="4800">
+              <a:rPr lang="ja" sz="4800" b="1" dirty="0">
                 <a:solidFill>
                   <a:schemeClr val="accent2"/>
                 </a:solidFill>
+                <a:latin typeface="メイリオ" panose="020B0604030504040204" pitchFamily="50" charset="-128"/>
+                <a:ea typeface="メイリオ" panose="020B0604030504040204" pitchFamily="50" charset="-128"/>
               </a:rPr>
               <a:t>【PDF操作比較】PyMuPDFでPDFからテキストも表も簡単抽出</a:t>
             </a:r>
-            <a:endParaRPr sz="4800">
+            <a:endParaRPr sz="4800" b="1" dirty="0">
               <a:solidFill>
                 <a:schemeClr val="accent2"/>
               </a:solidFill>
+              <a:latin typeface="メイリオ" panose="020B0604030504040204" pitchFamily="50" charset="-128"/>
+              <a:ea typeface="メイリオ" panose="020B0604030504040204" pitchFamily="50" charset="-128"/>
             </a:endParaRPr>
           </a:p>
         </p:txBody>
@@ -10086,6 +10745,58 @@
           <a:chExt cx="0" cy="0"/>
         </a:xfrm>
       </p:grpSpPr>
+      <p:sp>
+        <p:nvSpPr>
+          <p:cNvPr id="2" name="正方形/長方形 1">
+            <a:extLst>
+              <a:ext uri="{FF2B5EF4-FFF2-40B4-BE49-F238E27FC236}">
+                <a16:creationId xmlns:a16="http://schemas.microsoft.com/office/drawing/2014/main" id="{AE4E0307-744A-76D9-F573-9AED569C673A}"/>
+              </a:ext>
+            </a:extLst>
+          </p:cNvPr>
+          <p:cNvSpPr/>
+          <p:nvPr/>
+        </p:nvSpPr>
+        <p:spPr>
+          <a:xfrm>
+            <a:off x="0" y="0"/>
+            <a:ext cx="9144000" cy="5143500"/>
+          </a:xfrm>
+          <a:prstGeom prst="rect">
+            <a:avLst/>
+          </a:prstGeom>
+          <a:solidFill>
+            <a:schemeClr val="bg1"/>
+          </a:solidFill>
+          <a:ln>
+            <a:noFill/>
+          </a:ln>
+        </p:spPr>
+        <p:style>
+          <a:lnRef idx="2">
+            <a:schemeClr val="accent1">
+              <a:shade val="15000"/>
+            </a:schemeClr>
+          </a:lnRef>
+          <a:fillRef idx="1">
+            <a:schemeClr val="accent1"/>
+          </a:fillRef>
+          <a:effectRef idx="0">
+            <a:schemeClr val="accent1"/>
+          </a:effectRef>
+          <a:fontRef idx="minor">
+            <a:schemeClr val="lt1"/>
+          </a:fontRef>
+        </p:style>
+        <p:txBody>
+          <a:bodyPr rtlCol="0" anchor="ctr"/>
+          <a:lstStyle/>
+          <a:p>
+            <a:pPr algn="ctr"/>
+            <a:endParaRPr kumimoji="1" lang="ja-JP" altLang="en-US"/>
+          </a:p>
+        </p:txBody>
+      </p:sp>
       <p:pic>
         <p:nvPicPr>
           <p:cNvPr id="168" name="Google Shape;168;p32"/>
@@ -10121,7 +10832,7 @@
         </p:nvSpPr>
         <p:spPr>
           <a:xfrm>
-            <a:off x="0" y="1369200"/>
+            <a:off x="251576" y="1369200"/>
             <a:ext cx="7120200" cy="2405100"/>
           </a:xfrm>
           <a:prstGeom prst="rect">
@@ -10148,17 +10859,21 @@
               <a:buNone/>
             </a:pPr>
             <a:r>
-              <a:rPr lang="ja" sz="4800">
+              <a:rPr lang="ja" sz="4800" b="1" dirty="0">
                 <a:solidFill>
                   <a:schemeClr val="accent2"/>
                 </a:solidFill>
+                <a:latin typeface="メイリオ" panose="020B0604030504040204" pitchFamily="50" charset="-128"/>
+                <a:ea typeface="メイリオ" panose="020B0604030504040204" pitchFamily="50" charset="-128"/>
               </a:rPr>
               <a:t>LLMチューニングの</a:t>
             </a:r>
-            <a:endParaRPr sz="4800">
+            <a:endParaRPr sz="4800" b="1" dirty="0">
               <a:solidFill>
                 <a:schemeClr val="accent2"/>
               </a:solidFill>
+              <a:latin typeface="メイリオ" panose="020B0604030504040204" pitchFamily="50" charset="-128"/>
+              <a:ea typeface="メイリオ" panose="020B0604030504040204" pitchFamily="50" charset="-128"/>
             </a:endParaRPr>
           </a:p>
           <a:p>
@@ -10172,17 +10887,21 @@
               <a:buNone/>
             </a:pPr>
             <a:r>
-              <a:rPr lang="ja" sz="4800">
+              <a:rPr lang="ja" sz="4800" b="1" dirty="0">
                 <a:solidFill>
                   <a:schemeClr val="accent2"/>
                 </a:solidFill>
+                <a:latin typeface="メイリオ" panose="020B0604030504040204" pitchFamily="50" charset="-128"/>
+                <a:ea typeface="メイリオ" panose="020B0604030504040204" pitchFamily="50" charset="-128"/>
               </a:rPr>
               <a:t>基礎知識:トークン数の</a:t>
             </a:r>
-            <a:endParaRPr sz="4800">
+            <a:endParaRPr sz="4800" b="1" dirty="0">
               <a:solidFill>
                 <a:schemeClr val="accent2"/>
               </a:solidFill>
+              <a:latin typeface="メイリオ" panose="020B0604030504040204" pitchFamily="50" charset="-128"/>
+              <a:ea typeface="メイリオ" panose="020B0604030504040204" pitchFamily="50" charset="-128"/>
             </a:endParaRPr>
           </a:p>
           <a:p>
@@ -10196,17 +10915,21 @@
               <a:buNone/>
             </a:pPr>
             <a:r>
-              <a:rPr lang="ja" sz="4800">
+              <a:rPr lang="ja" sz="4800" b="1" dirty="0">
                 <a:solidFill>
                   <a:schemeClr val="accent2"/>
                 </a:solidFill>
+                <a:latin typeface="メイリオ" panose="020B0604030504040204" pitchFamily="50" charset="-128"/>
+                <a:ea typeface="メイリオ" panose="020B0604030504040204" pitchFamily="50" charset="-128"/>
               </a:rPr>
               <a:t>確認方法</a:t>
             </a:r>
-            <a:endParaRPr sz="4800">
+            <a:endParaRPr sz="4800" b="1" dirty="0">
               <a:solidFill>
                 <a:schemeClr val="accent2"/>
               </a:solidFill>
+              <a:latin typeface="メイリオ" panose="020B0604030504040204" pitchFamily="50" charset="-128"/>
+              <a:ea typeface="メイリオ" panose="020B0604030504040204" pitchFamily="50" charset="-128"/>
             </a:endParaRPr>
           </a:p>
         </p:txBody>
@@ -10244,6 +10967,58 @@
           <a:chExt cx="0" cy="0"/>
         </a:xfrm>
       </p:grpSpPr>
+      <p:sp>
+        <p:nvSpPr>
+          <p:cNvPr id="2" name="正方形/長方形 1">
+            <a:extLst>
+              <a:ext uri="{FF2B5EF4-FFF2-40B4-BE49-F238E27FC236}">
+                <a16:creationId xmlns:a16="http://schemas.microsoft.com/office/drawing/2014/main" id="{E0059D09-A699-4429-AB32-961A81A5DE71}"/>
+              </a:ext>
+            </a:extLst>
+          </p:cNvPr>
+          <p:cNvSpPr/>
+          <p:nvPr/>
+        </p:nvSpPr>
+        <p:spPr>
+          <a:xfrm>
+            <a:off x="0" y="0"/>
+            <a:ext cx="9144000" cy="5143500"/>
+          </a:xfrm>
+          <a:prstGeom prst="rect">
+            <a:avLst/>
+          </a:prstGeom>
+          <a:solidFill>
+            <a:schemeClr val="bg1"/>
+          </a:solidFill>
+          <a:ln>
+            <a:noFill/>
+          </a:ln>
+        </p:spPr>
+        <p:style>
+          <a:lnRef idx="2">
+            <a:schemeClr val="accent1">
+              <a:shade val="15000"/>
+            </a:schemeClr>
+          </a:lnRef>
+          <a:fillRef idx="1">
+            <a:schemeClr val="accent1"/>
+          </a:fillRef>
+          <a:effectRef idx="0">
+            <a:schemeClr val="accent1"/>
+          </a:effectRef>
+          <a:fontRef idx="minor">
+            <a:schemeClr val="lt1"/>
+          </a:fontRef>
+        </p:style>
+        <p:txBody>
+          <a:bodyPr rtlCol="0" anchor="ctr"/>
+          <a:lstStyle/>
+          <a:p>
+            <a:pPr algn="ctr"/>
+            <a:endParaRPr kumimoji="1" lang="ja-JP" altLang="en-US"/>
+          </a:p>
+        </p:txBody>
+      </p:sp>
       <p:pic>
         <p:nvPicPr>
           <p:cNvPr id="174" name="Google Shape;174;p33"/>
@@ -10279,7 +11054,7 @@
         </p:nvSpPr>
         <p:spPr>
           <a:xfrm>
-            <a:off x="0" y="1369200"/>
+            <a:off x="256414" y="1369200"/>
             <a:ext cx="7120200" cy="2405100"/>
           </a:xfrm>
           <a:prstGeom prst="rect">
@@ -10306,17 +11081,21 @@
               <a:buNone/>
             </a:pPr>
             <a:r>
-              <a:rPr lang="ja" sz="4800">
+              <a:rPr lang="ja" sz="4800" b="1" dirty="0">
                 <a:solidFill>
                   <a:schemeClr val="accent2"/>
                 </a:solidFill>
+                <a:latin typeface="メイリオ" panose="020B0604030504040204" pitchFamily="50" charset="-128"/>
+                <a:ea typeface="メイリオ" panose="020B0604030504040204" pitchFamily="50" charset="-128"/>
               </a:rPr>
               <a:t>Dockerで簡単構築！Ollamaを使ってLLM</a:t>
             </a:r>
-            <a:endParaRPr sz="4800">
+            <a:endParaRPr sz="4800" b="1" dirty="0">
               <a:solidFill>
                 <a:schemeClr val="accent2"/>
               </a:solidFill>
+              <a:latin typeface="メイリオ" panose="020B0604030504040204" pitchFamily="50" charset="-128"/>
+              <a:ea typeface="メイリオ" panose="020B0604030504040204" pitchFamily="50" charset="-128"/>
             </a:endParaRPr>
           </a:p>
           <a:p>
@@ -10330,17 +11109,21 @@
               <a:buNone/>
             </a:pPr>
             <a:r>
-              <a:rPr lang="ja" sz="4800">
+              <a:rPr lang="ja" sz="4800" b="1" dirty="0">
                 <a:solidFill>
                   <a:schemeClr val="accent2"/>
                 </a:solidFill>
+                <a:latin typeface="メイリオ" panose="020B0604030504040204" pitchFamily="50" charset="-128"/>
+                <a:ea typeface="メイリオ" panose="020B0604030504040204" pitchFamily="50" charset="-128"/>
               </a:rPr>
               <a:t>を試そう</a:t>
             </a:r>
-            <a:endParaRPr sz="4800">
+            <a:endParaRPr sz="4800" b="1" dirty="0">
               <a:solidFill>
                 <a:schemeClr val="accent2"/>
               </a:solidFill>
+              <a:latin typeface="メイリオ" panose="020B0604030504040204" pitchFamily="50" charset="-128"/>
+              <a:ea typeface="メイリオ" panose="020B0604030504040204" pitchFamily="50" charset="-128"/>
             </a:endParaRPr>
           </a:p>
         </p:txBody>
@@ -10378,6 +11161,58 @@
           <a:chExt cx="0" cy="0"/>
         </a:xfrm>
       </p:grpSpPr>
+      <p:sp>
+        <p:nvSpPr>
+          <p:cNvPr id="2" name="正方形/長方形 1">
+            <a:extLst>
+              <a:ext uri="{FF2B5EF4-FFF2-40B4-BE49-F238E27FC236}">
+                <a16:creationId xmlns:a16="http://schemas.microsoft.com/office/drawing/2014/main" id="{903B9CB3-3103-83D3-EC97-994A77D8B75A}"/>
+              </a:ext>
+            </a:extLst>
+          </p:cNvPr>
+          <p:cNvSpPr/>
+          <p:nvPr/>
+        </p:nvSpPr>
+        <p:spPr>
+          <a:xfrm>
+            <a:off x="0" y="0"/>
+            <a:ext cx="9144000" cy="5143500"/>
+          </a:xfrm>
+          <a:prstGeom prst="rect">
+            <a:avLst/>
+          </a:prstGeom>
+          <a:solidFill>
+            <a:schemeClr val="bg1"/>
+          </a:solidFill>
+          <a:ln>
+            <a:noFill/>
+          </a:ln>
+        </p:spPr>
+        <p:style>
+          <a:lnRef idx="2">
+            <a:schemeClr val="accent1">
+              <a:shade val="15000"/>
+            </a:schemeClr>
+          </a:lnRef>
+          <a:fillRef idx="1">
+            <a:schemeClr val="accent1"/>
+          </a:fillRef>
+          <a:effectRef idx="0">
+            <a:schemeClr val="accent1"/>
+          </a:effectRef>
+          <a:fontRef idx="minor">
+            <a:schemeClr val="lt1"/>
+          </a:fontRef>
+        </p:style>
+        <p:txBody>
+          <a:bodyPr rtlCol="0" anchor="ctr"/>
+          <a:lstStyle/>
+          <a:p>
+            <a:pPr algn="ctr"/>
+            <a:endParaRPr kumimoji="1" lang="ja-JP" altLang="en-US"/>
+          </a:p>
+        </p:txBody>
+      </p:sp>
       <p:pic>
         <p:nvPicPr>
           <p:cNvPr id="180" name="Google Shape;180;p34"/>
@@ -10413,7 +11248,7 @@
         </p:nvSpPr>
         <p:spPr>
           <a:xfrm>
-            <a:off x="322175" y="1369200"/>
+            <a:off x="254443" y="1369200"/>
             <a:ext cx="7120200" cy="2405100"/>
           </a:xfrm>
           <a:prstGeom prst="rect">
@@ -10440,22 +11275,22 @@
               <a:buNone/>
             </a:pPr>
             <a:r>
-              <a:rPr lang="ja" sz="4800" dirty="0">
+              <a:rPr lang="ja" sz="4800" b="1" dirty="0">
                 <a:solidFill>
                   <a:schemeClr val="accent2"/>
                 </a:solidFill>
-                <a:latin typeface="源柔ゴシックL等幅 Bold" panose="020B0609020203020207" pitchFamily="49" charset="-128"/>
-                <a:ea typeface="源柔ゴシックL等幅 Bold" panose="020B0609020203020207" pitchFamily="49" charset="-128"/>
+                <a:latin typeface="メイリオ" panose="020B0604030504040204" pitchFamily="50" charset="-128"/>
+                <a:ea typeface="メイリオ" panose="020B0604030504040204" pitchFamily="50" charset="-128"/>
                 <a:cs typeface="源柔ゴシックL等幅 Bold" panose="020B0609020203020207" pitchFamily="49" charset="-128"/>
               </a:rPr>
               <a:t>Docker超入門</a:t>
             </a:r>
-            <a:endParaRPr sz="4800" dirty="0">
+            <a:endParaRPr sz="4800" b="1" dirty="0">
               <a:solidFill>
                 <a:schemeClr val="accent2"/>
               </a:solidFill>
-              <a:latin typeface="源柔ゴシックL等幅 Bold" panose="020B0609020203020207" pitchFamily="49" charset="-128"/>
-              <a:ea typeface="源柔ゴシックL等幅 Bold" panose="020B0609020203020207" pitchFamily="49" charset="-128"/>
+              <a:latin typeface="メイリオ" panose="020B0604030504040204" pitchFamily="50" charset="-128"/>
+              <a:ea typeface="メイリオ" panose="020B0604030504040204" pitchFamily="50" charset="-128"/>
               <a:cs typeface="源柔ゴシックL等幅 Bold" panose="020B0609020203020207" pitchFamily="49" charset="-128"/>
             </a:endParaRPr>
           </a:p>
@@ -10470,22 +11305,22 @@
               <a:buNone/>
             </a:pPr>
             <a:r>
-              <a:rPr lang="ja" sz="4800" dirty="0">
+              <a:rPr lang="ja" sz="4800" b="1" dirty="0">
                 <a:solidFill>
                   <a:schemeClr val="accent2"/>
                 </a:solidFill>
-                <a:latin typeface="源柔ゴシックL等幅 Bold" panose="020B0609020203020207" pitchFamily="49" charset="-128"/>
-                <a:ea typeface="源柔ゴシックL等幅 Bold" panose="020B0609020203020207" pitchFamily="49" charset="-128"/>
+                <a:latin typeface="メイリオ" panose="020B0604030504040204" pitchFamily="50" charset="-128"/>
+                <a:ea typeface="メイリオ" panose="020B0604030504040204" pitchFamily="50" charset="-128"/>
                 <a:cs typeface="源柔ゴシックL等幅 Bold" panose="020B0609020203020207" pitchFamily="49" charset="-128"/>
               </a:rPr>
               <a:t>初心者でもすぐに使える基礎ガイド</a:t>
             </a:r>
-            <a:endParaRPr sz="4800" dirty="0">
+            <a:endParaRPr sz="4800" b="1" dirty="0">
               <a:solidFill>
                 <a:schemeClr val="accent2"/>
               </a:solidFill>
-              <a:latin typeface="源柔ゴシックL等幅 Bold" panose="020B0609020203020207" pitchFamily="49" charset="-128"/>
-              <a:ea typeface="源柔ゴシックL等幅 Bold" panose="020B0609020203020207" pitchFamily="49" charset="-128"/>
+              <a:latin typeface="メイリオ" panose="020B0604030504040204" pitchFamily="50" charset="-128"/>
+              <a:ea typeface="メイリオ" panose="020B0604030504040204" pitchFamily="50" charset="-128"/>
               <a:cs typeface="源柔ゴシックL等幅 Bold" panose="020B0609020203020207" pitchFamily="49" charset="-128"/>
             </a:endParaRPr>
           </a:p>
@@ -10524,6 +11359,58 @@
           <a:chExt cx="0" cy="0"/>
         </a:xfrm>
       </p:grpSpPr>
+      <p:sp>
+        <p:nvSpPr>
+          <p:cNvPr id="2" name="正方形/長方形 1">
+            <a:extLst>
+              <a:ext uri="{FF2B5EF4-FFF2-40B4-BE49-F238E27FC236}">
+                <a16:creationId xmlns:a16="http://schemas.microsoft.com/office/drawing/2014/main" id="{29256E53-A310-2E58-9E1D-78445A98FFEC}"/>
+              </a:ext>
+            </a:extLst>
+          </p:cNvPr>
+          <p:cNvSpPr/>
+          <p:nvPr/>
+        </p:nvSpPr>
+        <p:spPr>
+          <a:xfrm>
+            <a:off x="0" y="0"/>
+            <a:ext cx="9144000" cy="5143500"/>
+          </a:xfrm>
+          <a:prstGeom prst="rect">
+            <a:avLst/>
+          </a:prstGeom>
+          <a:solidFill>
+            <a:schemeClr val="bg1"/>
+          </a:solidFill>
+          <a:ln>
+            <a:noFill/>
+          </a:ln>
+        </p:spPr>
+        <p:style>
+          <a:lnRef idx="2">
+            <a:schemeClr val="accent1">
+              <a:shade val="15000"/>
+            </a:schemeClr>
+          </a:lnRef>
+          <a:fillRef idx="1">
+            <a:schemeClr val="accent1"/>
+          </a:fillRef>
+          <a:effectRef idx="0">
+            <a:schemeClr val="accent1"/>
+          </a:effectRef>
+          <a:fontRef idx="minor">
+            <a:schemeClr val="lt1"/>
+          </a:fontRef>
+        </p:style>
+        <p:txBody>
+          <a:bodyPr rtlCol="0" anchor="ctr"/>
+          <a:lstStyle/>
+          <a:p>
+            <a:pPr algn="ctr"/>
+            <a:endParaRPr kumimoji="1" lang="ja-JP" altLang="en-US"/>
+          </a:p>
+        </p:txBody>
+      </p:sp>
       <p:pic>
         <p:nvPicPr>
           <p:cNvPr id="186" name="Google Shape;186;p35"/>
@@ -10559,7 +11446,7 @@
         </p:nvSpPr>
         <p:spPr>
           <a:xfrm>
-            <a:off x="0" y="1369200"/>
+            <a:off x="256414" y="1369200"/>
             <a:ext cx="7120200" cy="2405100"/>
           </a:xfrm>
           <a:prstGeom prst="rect">
@@ -10586,17 +11473,21 @@
               <a:buNone/>
             </a:pPr>
             <a:r>
-              <a:rPr lang="ja" sz="4800">
+              <a:rPr lang="ja" sz="4800" b="1" dirty="0">
                 <a:solidFill>
                   <a:schemeClr val="accent2"/>
                 </a:solidFill>
+                <a:latin typeface="メイリオ" panose="020B0604030504040204" pitchFamily="50" charset="-128"/>
+                <a:ea typeface="メイリオ" panose="020B0604030504040204" pitchFamily="50" charset="-128"/>
               </a:rPr>
               <a:t>Docker Compose超入門 初心者でもすぐに使える基礎ガイド</a:t>
             </a:r>
-            <a:endParaRPr sz="4800">
+            <a:endParaRPr sz="4800" b="1" dirty="0">
               <a:solidFill>
                 <a:schemeClr val="accent2"/>
               </a:solidFill>
+              <a:latin typeface="メイリオ" panose="020B0604030504040204" pitchFamily="50" charset="-128"/>
+              <a:ea typeface="メイリオ" panose="020B0604030504040204" pitchFamily="50" charset="-128"/>
             </a:endParaRPr>
           </a:p>
         </p:txBody>
@@ -10634,6 +11525,58 @@
           <a:chExt cx="0" cy="0"/>
         </a:xfrm>
       </p:grpSpPr>
+      <p:sp>
+        <p:nvSpPr>
+          <p:cNvPr id="2" name="正方形/長方形 1">
+            <a:extLst>
+              <a:ext uri="{FF2B5EF4-FFF2-40B4-BE49-F238E27FC236}">
+                <a16:creationId xmlns:a16="http://schemas.microsoft.com/office/drawing/2014/main" id="{8AB04730-729D-16B1-0E76-2540950046D1}"/>
+              </a:ext>
+            </a:extLst>
+          </p:cNvPr>
+          <p:cNvSpPr/>
+          <p:nvPr/>
+        </p:nvSpPr>
+        <p:spPr>
+          <a:xfrm>
+            <a:off x="0" y="0"/>
+            <a:ext cx="9144000" cy="5143500"/>
+          </a:xfrm>
+          <a:prstGeom prst="rect">
+            <a:avLst/>
+          </a:prstGeom>
+          <a:solidFill>
+            <a:schemeClr val="bg1"/>
+          </a:solidFill>
+          <a:ln>
+            <a:noFill/>
+          </a:ln>
+        </p:spPr>
+        <p:style>
+          <a:lnRef idx="2">
+            <a:schemeClr val="accent1">
+              <a:shade val="15000"/>
+            </a:schemeClr>
+          </a:lnRef>
+          <a:fillRef idx="1">
+            <a:schemeClr val="accent1"/>
+          </a:fillRef>
+          <a:effectRef idx="0">
+            <a:schemeClr val="accent1"/>
+          </a:effectRef>
+          <a:fontRef idx="minor">
+            <a:schemeClr val="lt1"/>
+          </a:fontRef>
+        </p:style>
+        <p:txBody>
+          <a:bodyPr rtlCol="0" anchor="ctr"/>
+          <a:lstStyle/>
+          <a:p>
+            <a:pPr algn="ctr"/>
+            <a:endParaRPr kumimoji="1" lang="ja-JP" altLang="en-US"/>
+          </a:p>
+        </p:txBody>
+      </p:sp>
       <p:pic>
         <p:nvPicPr>
           <p:cNvPr id="192" name="Google Shape;192;p36"/>
@@ -10669,7 +11612,7 @@
         </p:nvSpPr>
         <p:spPr>
           <a:xfrm>
-            <a:off x="0" y="1369200"/>
+            <a:off x="256415" y="1369200"/>
             <a:ext cx="7120200" cy="2405100"/>
           </a:xfrm>
           <a:prstGeom prst="rect">
@@ -10696,17 +11639,21 @@
               <a:buNone/>
             </a:pPr>
             <a:r>
-              <a:rPr lang="ja" sz="4800">
+              <a:rPr lang="ja" sz="4800" b="1" dirty="0">
                 <a:solidFill>
                   <a:schemeClr val="accent2"/>
                 </a:solidFill>
+                <a:latin typeface="メイリオ" panose="020B0604030504040204" pitchFamily="50" charset="-128"/>
+                <a:ea typeface="メイリオ" panose="020B0604030504040204" pitchFamily="50" charset="-128"/>
               </a:rPr>
               <a:t>【データモデリング】</a:t>
             </a:r>
-            <a:endParaRPr sz="4800">
+            <a:endParaRPr sz="4800" b="1" dirty="0">
               <a:solidFill>
                 <a:schemeClr val="accent2"/>
               </a:solidFill>
+              <a:latin typeface="メイリオ" panose="020B0604030504040204" pitchFamily="50" charset="-128"/>
+              <a:ea typeface="メイリオ" panose="020B0604030504040204" pitchFamily="50" charset="-128"/>
             </a:endParaRPr>
           </a:p>
           <a:p>
@@ -10720,17 +11667,21 @@
               <a:buNone/>
             </a:pPr>
             <a:r>
-              <a:rPr lang="ja" sz="4800">
+              <a:rPr lang="ja" sz="4800" b="1" dirty="0">
                 <a:solidFill>
                   <a:schemeClr val="accent2"/>
                 </a:solidFill>
+                <a:latin typeface="メイリオ" panose="020B0604030504040204" pitchFamily="50" charset="-128"/>
+                <a:ea typeface="メイリオ" panose="020B0604030504040204" pitchFamily="50" charset="-128"/>
               </a:rPr>
               <a:t> 概念設計のチュートリアル</a:t>
             </a:r>
-            <a:endParaRPr sz="4800">
+            <a:endParaRPr sz="4800" b="1" dirty="0">
               <a:solidFill>
                 <a:schemeClr val="accent2"/>
               </a:solidFill>
+              <a:latin typeface="メイリオ" panose="020B0604030504040204" pitchFamily="50" charset="-128"/>
+              <a:ea typeface="メイリオ" panose="020B0604030504040204" pitchFamily="50" charset="-128"/>
             </a:endParaRPr>
           </a:p>
         </p:txBody>
@@ -10768,6 +11719,58 @@
           <a:chExt cx="0" cy="0"/>
         </a:xfrm>
       </p:grpSpPr>
+      <p:sp>
+        <p:nvSpPr>
+          <p:cNvPr id="2" name="正方形/長方形 1">
+            <a:extLst>
+              <a:ext uri="{FF2B5EF4-FFF2-40B4-BE49-F238E27FC236}">
+                <a16:creationId xmlns:a16="http://schemas.microsoft.com/office/drawing/2014/main" id="{2FA758DC-9280-3665-4C87-4DB478F61F14}"/>
+              </a:ext>
+            </a:extLst>
+          </p:cNvPr>
+          <p:cNvSpPr/>
+          <p:nvPr/>
+        </p:nvSpPr>
+        <p:spPr>
+          <a:xfrm>
+            <a:off x="0" y="0"/>
+            <a:ext cx="9144000" cy="5143500"/>
+          </a:xfrm>
+          <a:prstGeom prst="rect">
+            <a:avLst/>
+          </a:prstGeom>
+          <a:solidFill>
+            <a:schemeClr val="bg1"/>
+          </a:solidFill>
+          <a:ln>
+            <a:noFill/>
+          </a:ln>
+        </p:spPr>
+        <p:style>
+          <a:lnRef idx="2">
+            <a:schemeClr val="accent1">
+              <a:shade val="15000"/>
+            </a:schemeClr>
+          </a:lnRef>
+          <a:fillRef idx="1">
+            <a:schemeClr val="accent1"/>
+          </a:fillRef>
+          <a:effectRef idx="0">
+            <a:schemeClr val="accent1"/>
+          </a:effectRef>
+          <a:fontRef idx="minor">
+            <a:schemeClr val="lt1"/>
+          </a:fontRef>
+        </p:style>
+        <p:txBody>
+          <a:bodyPr rtlCol="0" anchor="ctr"/>
+          <a:lstStyle/>
+          <a:p>
+            <a:pPr algn="ctr"/>
+            <a:endParaRPr kumimoji="1" lang="ja-JP" altLang="en-US"/>
+          </a:p>
+        </p:txBody>
+      </p:sp>
       <p:pic>
         <p:nvPicPr>
           <p:cNvPr id="198" name="Google Shape;198;p37"/>
@@ -10803,7 +11806,7 @@
         </p:nvSpPr>
         <p:spPr>
           <a:xfrm>
-            <a:off x="0" y="1369200"/>
+            <a:off x="256414" y="1369200"/>
             <a:ext cx="7120200" cy="2405100"/>
           </a:xfrm>
           <a:prstGeom prst="rect">
@@ -10830,17 +11833,21 @@
               <a:buNone/>
             </a:pPr>
             <a:r>
-              <a:rPr lang="ja" sz="4800">
+              <a:rPr lang="ja" sz="4800" b="1" dirty="0">
                 <a:solidFill>
                   <a:schemeClr val="accent2"/>
                 </a:solidFill>
+                <a:latin typeface="メイリオ" panose="020B0604030504040204" pitchFamily="50" charset="-128"/>
+                <a:ea typeface="メイリオ" panose="020B0604030504040204" pitchFamily="50" charset="-128"/>
               </a:rPr>
               <a:t>【データモデリング】</a:t>
             </a:r>
-            <a:endParaRPr sz="4800">
+            <a:endParaRPr sz="4800" b="1" dirty="0">
               <a:solidFill>
                 <a:schemeClr val="accent2"/>
               </a:solidFill>
+              <a:latin typeface="メイリオ" panose="020B0604030504040204" pitchFamily="50" charset="-128"/>
+              <a:ea typeface="メイリオ" panose="020B0604030504040204" pitchFamily="50" charset="-128"/>
             </a:endParaRPr>
           </a:p>
           <a:p>
@@ -10854,17 +11861,21 @@
               <a:buNone/>
             </a:pPr>
             <a:r>
-              <a:rPr lang="ja" sz="4800">
+              <a:rPr lang="ja" sz="4800" b="1" dirty="0">
                 <a:solidFill>
                   <a:schemeClr val="accent2"/>
                 </a:solidFill>
+                <a:latin typeface="メイリオ" panose="020B0604030504040204" pitchFamily="50" charset="-128"/>
+                <a:ea typeface="メイリオ" panose="020B0604030504040204" pitchFamily="50" charset="-128"/>
               </a:rPr>
               <a:t>論理テーブル設計の</a:t>
             </a:r>
-            <a:endParaRPr sz="4800">
+            <a:endParaRPr sz="4800" b="1" dirty="0">
               <a:solidFill>
                 <a:schemeClr val="accent2"/>
               </a:solidFill>
+              <a:latin typeface="メイリオ" panose="020B0604030504040204" pitchFamily="50" charset="-128"/>
+              <a:ea typeface="メイリオ" panose="020B0604030504040204" pitchFamily="50" charset="-128"/>
             </a:endParaRPr>
           </a:p>
           <a:p>
@@ -10878,17 +11889,21 @@
               <a:buNone/>
             </a:pPr>
             <a:r>
-              <a:rPr lang="ja" sz="4800">
+              <a:rPr lang="ja" sz="4800" b="1" dirty="0">
                 <a:solidFill>
                   <a:schemeClr val="accent2"/>
                 </a:solidFill>
+                <a:latin typeface="メイリオ" panose="020B0604030504040204" pitchFamily="50" charset="-128"/>
+                <a:ea typeface="メイリオ" panose="020B0604030504040204" pitchFamily="50" charset="-128"/>
               </a:rPr>
               <a:t>チュートリアル</a:t>
             </a:r>
-            <a:endParaRPr sz="4800">
+            <a:endParaRPr sz="4800" b="1" dirty="0">
               <a:solidFill>
                 <a:schemeClr val="accent2"/>
               </a:solidFill>
+              <a:latin typeface="メイリオ" panose="020B0604030504040204" pitchFamily="50" charset="-128"/>
+              <a:ea typeface="メイリオ" panose="020B0604030504040204" pitchFamily="50" charset="-128"/>
             </a:endParaRPr>
           </a:p>
         </p:txBody>
@@ -10926,6 +11941,58 @@
           <a:chExt cx="0" cy="0"/>
         </a:xfrm>
       </p:grpSpPr>
+      <p:sp>
+        <p:nvSpPr>
+          <p:cNvPr id="2" name="正方形/長方形 1">
+            <a:extLst>
+              <a:ext uri="{FF2B5EF4-FFF2-40B4-BE49-F238E27FC236}">
+                <a16:creationId xmlns:a16="http://schemas.microsoft.com/office/drawing/2014/main" id="{E41ECF8D-2DFB-C4E4-1397-86CBC6F0403A}"/>
+              </a:ext>
+            </a:extLst>
+          </p:cNvPr>
+          <p:cNvSpPr/>
+          <p:nvPr/>
+        </p:nvSpPr>
+        <p:spPr>
+          <a:xfrm>
+            <a:off x="0" y="0"/>
+            <a:ext cx="9144000" cy="5143500"/>
+          </a:xfrm>
+          <a:prstGeom prst="rect">
+            <a:avLst/>
+          </a:prstGeom>
+          <a:solidFill>
+            <a:schemeClr val="bg1"/>
+          </a:solidFill>
+          <a:ln>
+            <a:noFill/>
+          </a:ln>
+        </p:spPr>
+        <p:style>
+          <a:lnRef idx="2">
+            <a:schemeClr val="accent1">
+              <a:shade val="15000"/>
+            </a:schemeClr>
+          </a:lnRef>
+          <a:fillRef idx="1">
+            <a:schemeClr val="accent1"/>
+          </a:fillRef>
+          <a:effectRef idx="0">
+            <a:schemeClr val="accent1"/>
+          </a:effectRef>
+          <a:fontRef idx="minor">
+            <a:schemeClr val="lt1"/>
+          </a:fontRef>
+        </p:style>
+        <p:txBody>
+          <a:bodyPr rtlCol="0" anchor="ctr"/>
+          <a:lstStyle/>
+          <a:p>
+            <a:pPr algn="ctr"/>
+            <a:endParaRPr kumimoji="1" lang="ja-JP" altLang="en-US"/>
+          </a:p>
+        </p:txBody>
+      </p:sp>
       <p:pic>
         <p:nvPicPr>
           <p:cNvPr id="204" name="Google Shape;204;p38"/>
@@ -10961,7 +12028,7 @@
         </p:nvSpPr>
         <p:spPr>
           <a:xfrm>
-            <a:off x="0" y="1369200"/>
+            <a:off x="256414" y="1369200"/>
             <a:ext cx="7120200" cy="2405100"/>
           </a:xfrm>
           <a:prstGeom prst="rect">
@@ -10988,17 +12055,21 @@
               <a:buNone/>
             </a:pPr>
             <a:r>
-              <a:rPr lang="ja" sz="4800">
+              <a:rPr lang="ja" sz="4800" b="1" dirty="0">
                 <a:solidFill>
                   <a:schemeClr val="accent2"/>
                 </a:solidFill>
+                <a:latin typeface="メイリオ" panose="020B0604030504040204" pitchFamily="50" charset="-128"/>
+                <a:ea typeface="メイリオ" panose="020B0604030504040204" pitchFamily="50" charset="-128"/>
               </a:rPr>
               <a:t>【データモデリング】</a:t>
             </a:r>
-            <a:endParaRPr sz="4800">
+            <a:endParaRPr sz="4800" b="1" dirty="0">
               <a:solidFill>
                 <a:schemeClr val="accent2"/>
               </a:solidFill>
+              <a:latin typeface="メイリオ" panose="020B0604030504040204" pitchFamily="50" charset="-128"/>
+              <a:ea typeface="メイリオ" panose="020B0604030504040204" pitchFamily="50" charset="-128"/>
             </a:endParaRPr>
           </a:p>
           <a:p>
@@ -11012,17 +12083,21 @@
               <a:buNone/>
             </a:pPr>
             <a:r>
-              <a:rPr lang="ja" sz="4800">
+              <a:rPr lang="ja" sz="4800" b="1" dirty="0">
                 <a:solidFill>
                   <a:schemeClr val="accent2"/>
                 </a:solidFill>
+                <a:latin typeface="メイリオ" panose="020B0604030504040204" pitchFamily="50" charset="-128"/>
+                <a:ea typeface="メイリオ" panose="020B0604030504040204" pitchFamily="50" charset="-128"/>
               </a:rPr>
               <a:t>物理テーブル設計の</a:t>
             </a:r>
-            <a:endParaRPr sz="4800">
+            <a:endParaRPr sz="4800" b="1" dirty="0">
               <a:solidFill>
                 <a:schemeClr val="accent2"/>
               </a:solidFill>
+              <a:latin typeface="メイリオ" panose="020B0604030504040204" pitchFamily="50" charset="-128"/>
+              <a:ea typeface="メイリオ" panose="020B0604030504040204" pitchFamily="50" charset="-128"/>
             </a:endParaRPr>
           </a:p>
           <a:p>
@@ -11036,17 +12111,21 @@
               <a:buNone/>
             </a:pPr>
             <a:r>
-              <a:rPr lang="ja" sz="4800">
+              <a:rPr lang="ja" sz="4800" b="1" dirty="0">
                 <a:solidFill>
                   <a:schemeClr val="accent2"/>
                 </a:solidFill>
+                <a:latin typeface="メイリオ" panose="020B0604030504040204" pitchFamily="50" charset="-128"/>
+                <a:ea typeface="メイリオ" panose="020B0604030504040204" pitchFamily="50" charset="-128"/>
               </a:rPr>
               <a:t>チュートリアル</a:t>
             </a:r>
-            <a:endParaRPr sz="4800">
+            <a:endParaRPr sz="4800" b="1" dirty="0">
               <a:solidFill>
                 <a:schemeClr val="accent2"/>
               </a:solidFill>
+              <a:latin typeface="メイリオ" panose="020B0604030504040204" pitchFamily="50" charset="-128"/>
+              <a:ea typeface="メイリオ" panose="020B0604030504040204" pitchFamily="50" charset="-128"/>
             </a:endParaRPr>
           </a:p>
         </p:txBody>
@@ -11082,6 +12161,58 @@
           <a:chExt cx="0" cy="0"/>
         </a:xfrm>
       </p:grpSpPr>
+      <p:sp>
+        <p:nvSpPr>
+          <p:cNvPr id="2" name="正方形/長方形 1">
+            <a:extLst>
+              <a:ext uri="{FF2B5EF4-FFF2-40B4-BE49-F238E27FC236}">
+                <a16:creationId xmlns:a16="http://schemas.microsoft.com/office/drawing/2014/main" id="{143895EA-82F4-4609-9FF6-3BAC232874DA}"/>
+              </a:ext>
+            </a:extLst>
+          </p:cNvPr>
+          <p:cNvSpPr/>
+          <p:nvPr/>
+        </p:nvSpPr>
+        <p:spPr>
+          <a:xfrm>
+            <a:off x="0" y="0"/>
+            <a:ext cx="9144000" cy="5143500"/>
+          </a:xfrm>
+          <a:prstGeom prst="rect">
+            <a:avLst/>
+          </a:prstGeom>
+          <a:solidFill>
+            <a:schemeClr val="bg1"/>
+          </a:solidFill>
+          <a:ln>
+            <a:noFill/>
+          </a:ln>
+        </p:spPr>
+        <p:style>
+          <a:lnRef idx="2">
+            <a:schemeClr val="accent1">
+              <a:shade val="15000"/>
+            </a:schemeClr>
+          </a:lnRef>
+          <a:fillRef idx="1">
+            <a:schemeClr val="accent1"/>
+          </a:fillRef>
+          <a:effectRef idx="0">
+            <a:schemeClr val="accent1"/>
+          </a:effectRef>
+          <a:fontRef idx="minor">
+            <a:schemeClr val="lt1"/>
+          </a:fontRef>
+        </p:style>
+        <p:txBody>
+          <a:bodyPr rtlCol="0" anchor="ctr"/>
+          <a:lstStyle/>
+          <a:p>
+            <a:pPr algn="ctr"/>
+            <a:endParaRPr kumimoji="1" lang="ja-JP" altLang="en-US"/>
+          </a:p>
+        </p:txBody>
+      </p:sp>
       <p:pic>
         <p:nvPicPr>
           <p:cNvPr id="54" name="Google Shape;54;p13">
@@ -11129,8 +12260,8 @@
         </p:nvSpPr>
         <p:spPr>
           <a:xfrm>
-            <a:off x="0" y="2212050"/>
-            <a:ext cx="6167400" cy="719400"/>
+            <a:off x="251576" y="2212050"/>
+            <a:ext cx="6167400" cy="913360"/>
           </a:xfrm>
           <a:prstGeom prst="rect">
             <a:avLst/>
@@ -11156,17 +12287,21 @@
               <a:buNone/>
             </a:pPr>
             <a:r>
-              <a:rPr lang="ja" sz="4800" dirty="0">
+              <a:rPr lang="ja" sz="4800" b="1" dirty="0">
                 <a:solidFill>
                   <a:schemeClr val="accent2"/>
                 </a:solidFill>
+                <a:latin typeface="+mj-lt"/>
+                <a:ea typeface="メイリオ" panose="020B0604030504040204" pitchFamily="50" charset="-128"/>
               </a:rPr>
               <a:t>Tech Blog始めます</a:t>
             </a:r>
-            <a:endParaRPr sz="4800" dirty="0">
+            <a:endParaRPr sz="4800" b="1" dirty="0">
               <a:solidFill>
                 <a:schemeClr val="accent2"/>
               </a:solidFill>
+              <a:latin typeface="+mj-lt"/>
+              <a:ea typeface="メイリオ" panose="020B0604030504040204" pitchFamily="50" charset="-128"/>
             </a:endParaRPr>
           </a:p>
         </p:txBody>
@@ -11209,6 +12344,58 @@
           <a:chExt cx="0" cy="0"/>
         </a:xfrm>
       </p:grpSpPr>
+      <p:sp>
+        <p:nvSpPr>
+          <p:cNvPr id="2" name="正方形/長方形 1">
+            <a:extLst>
+              <a:ext uri="{FF2B5EF4-FFF2-40B4-BE49-F238E27FC236}">
+                <a16:creationId xmlns:a16="http://schemas.microsoft.com/office/drawing/2014/main" id="{EB9C792B-A587-98BD-C93E-A1871CBDEBC8}"/>
+              </a:ext>
+            </a:extLst>
+          </p:cNvPr>
+          <p:cNvSpPr/>
+          <p:nvPr/>
+        </p:nvSpPr>
+        <p:spPr>
+          <a:xfrm>
+            <a:off x="0" y="0"/>
+            <a:ext cx="9144000" cy="5143500"/>
+          </a:xfrm>
+          <a:prstGeom prst="rect">
+            <a:avLst/>
+          </a:prstGeom>
+          <a:solidFill>
+            <a:schemeClr val="bg1"/>
+          </a:solidFill>
+          <a:ln>
+            <a:noFill/>
+          </a:ln>
+        </p:spPr>
+        <p:style>
+          <a:lnRef idx="2">
+            <a:schemeClr val="accent1">
+              <a:shade val="15000"/>
+            </a:schemeClr>
+          </a:lnRef>
+          <a:fillRef idx="1">
+            <a:schemeClr val="accent1"/>
+          </a:fillRef>
+          <a:effectRef idx="0">
+            <a:schemeClr val="accent1"/>
+          </a:effectRef>
+          <a:fontRef idx="minor">
+            <a:schemeClr val="lt1"/>
+          </a:fontRef>
+        </p:style>
+        <p:txBody>
+          <a:bodyPr rtlCol="0" anchor="ctr"/>
+          <a:lstStyle/>
+          <a:p>
+            <a:pPr algn="ctr"/>
+            <a:endParaRPr kumimoji="1" lang="ja-JP" altLang="en-US"/>
+          </a:p>
+        </p:txBody>
+      </p:sp>
       <p:pic>
         <p:nvPicPr>
           <p:cNvPr id="60" name="Google Shape;60;p14"/>
@@ -11244,7 +12431,7 @@
         </p:nvSpPr>
         <p:spPr>
           <a:xfrm>
-            <a:off x="0" y="1750500"/>
+            <a:off x="256414" y="1750500"/>
             <a:ext cx="7120200" cy="1642500"/>
           </a:xfrm>
           <a:prstGeom prst="rect">
@@ -11271,17 +12458,21 @@
               <a:buNone/>
             </a:pPr>
             <a:r>
-              <a:rPr lang="ja" sz="4800">
+              <a:rPr lang="ja" sz="4800" b="1" dirty="0">
                 <a:solidFill>
                   <a:schemeClr val="accent2"/>
                 </a:solidFill>
+                <a:latin typeface="メイリオ" panose="020B0604030504040204" pitchFamily="50" charset="-128"/>
+                <a:ea typeface="メイリオ" panose="020B0604030504040204" pitchFamily="50" charset="-128"/>
               </a:rPr>
               <a:t>レイズクロスの</a:t>
             </a:r>
-            <a:endParaRPr sz="4800">
+            <a:endParaRPr sz="4800" b="1" dirty="0">
               <a:solidFill>
                 <a:schemeClr val="accent2"/>
               </a:solidFill>
+              <a:latin typeface="メイリオ" panose="020B0604030504040204" pitchFamily="50" charset="-128"/>
+              <a:ea typeface="メイリオ" panose="020B0604030504040204" pitchFamily="50" charset="-128"/>
             </a:endParaRPr>
           </a:p>
           <a:p>
@@ -11295,17 +12486,21 @@
               <a:buNone/>
             </a:pPr>
             <a:r>
-              <a:rPr lang="ja" sz="4800">
+              <a:rPr lang="ja" sz="4800" b="1" dirty="0">
                 <a:solidFill>
                   <a:schemeClr val="accent2"/>
                 </a:solidFill>
+                <a:latin typeface="メイリオ" panose="020B0604030504040204" pitchFamily="50" charset="-128"/>
+                <a:ea typeface="メイリオ" panose="020B0604030504040204" pitchFamily="50" charset="-128"/>
               </a:rPr>
               <a:t>技術スタックをご紹介</a:t>
             </a:r>
-            <a:endParaRPr sz="4800">
+            <a:endParaRPr sz="4800" b="1" dirty="0">
               <a:solidFill>
                 <a:schemeClr val="accent2"/>
               </a:solidFill>
+              <a:latin typeface="メイリオ" panose="020B0604030504040204" pitchFamily="50" charset="-128"/>
+              <a:ea typeface="メイリオ" panose="020B0604030504040204" pitchFamily="50" charset="-128"/>
             </a:endParaRPr>
           </a:p>
         </p:txBody>
@@ -11343,6 +12538,58 @@
           <a:chExt cx="0" cy="0"/>
         </a:xfrm>
       </p:grpSpPr>
+      <p:sp>
+        <p:nvSpPr>
+          <p:cNvPr id="2" name="正方形/長方形 1">
+            <a:extLst>
+              <a:ext uri="{FF2B5EF4-FFF2-40B4-BE49-F238E27FC236}">
+                <a16:creationId xmlns:a16="http://schemas.microsoft.com/office/drawing/2014/main" id="{94F72B86-C600-3B9A-5A86-BDA7B5F06C31}"/>
+              </a:ext>
+            </a:extLst>
+          </p:cNvPr>
+          <p:cNvSpPr/>
+          <p:nvPr/>
+        </p:nvSpPr>
+        <p:spPr>
+          <a:xfrm>
+            <a:off x="0" y="0"/>
+            <a:ext cx="9144000" cy="5143500"/>
+          </a:xfrm>
+          <a:prstGeom prst="rect">
+            <a:avLst/>
+          </a:prstGeom>
+          <a:solidFill>
+            <a:schemeClr val="bg1"/>
+          </a:solidFill>
+          <a:ln>
+            <a:noFill/>
+          </a:ln>
+        </p:spPr>
+        <p:style>
+          <a:lnRef idx="2">
+            <a:schemeClr val="accent1">
+              <a:shade val="15000"/>
+            </a:schemeClr>
+          </a:lnRef>
+          <a:fillRef idx="1">
+            <a:schemeClr val="accent1"/>
+          </a:fillRef>
+          <a:effectRef idx="0">
+            <a:schemeClr val="accent1"/>
+          </a:effectRef>
+          <a:fontRef idx="minor">
+            <a:schemeClr val="lt1"/>
+          </a:fontRef>
+        </p:style>
+        <p:txBody>
+          <a:bodyPr rtlCol="0" anchor="ctr"/>
+          <a:lstStyle/>
+          <a:p>
+            <a:pPr algn="ctr"/>
+            <a:endParaRPr kumimoji="1" lang="ja-JP" altLang="en-US"/>
+          </a:p>
+        </p:txBody>
+      </p:sp>
       <p:pic>
         <p:nvPicPr>
           <p:cNvPr id="66" name="Google Shape;66;p15"/>
@@ -11378,7 +12625,7 @@
         </p:nvSpPr>
         <p:spPr>
           <a:xfrm>
-            <a:off x="0" y="1750500"/>
+            <a:off x="261252" y="1750500"/>
             <a:ext cx="7120200" cy="1642500"/>
           </a:xfrm>
           <a:prstGeom prst="rect">
@@ -11405,17 +12652,21 @@
               <a:buNone/>
             </a:pPr>
             <a:r>
-              <a:rPr lang="ja" sz="4800">
+              <a:rPr lang="ja" sz="4800" b="1" dirty="0">
                 <a:solidFill>
                   <a:schemeClr val="accent2"/>
                 </a:solidFill>
+                <a:latin typeface="メイリオ" panose="020B0604030504040204" pitchFamily="50" charset="-128"/>
+                <a:ea typeface="メイリオ" panose="020B0604030504040204" pitchFamily="50" charset="-128"/>
               </a:rPr>
               <a:t>AWSプロファイル</a:t>
             </a:r>
-            <a:endParaRPr sz="4800">
+            <a:endParaRPr sz="4800" b="1" dirty="0">
               <a:solidFill>
                 <a:schemeClr val="accent2"/>
               </a:solidFill>
+              <a:latin typeface="メイリオ" panose="020B0604030504040204" pitchFamily="50" charset="-128"/>
+              <a:ea typeface="メイリオ" panose="020B0604030504040204" pitchFamily="50" charset="-128"/>
             </a:endParaRPr>
           </a:p>
           <a:p>
@@ -11429,17 +12680,21 @@
               <a:buNone/>
             </a:pPr>
             <a:r>
-              <a:rPr lang="ja" sz="4800">
+              <a:rPr lang="ja" sz="4800" b="1" dirty="0">
                 <a:solidFill>
                   <a:schemeClr val="accent2"/>
                 </a:solidFill>
+                <a:latin typeface="メイリオ" panose="020B0604030504040204" pitchFamily="50" charset="-128"/>
+                <a:ea typeface="メイリオ" panose="020B0604030504040204" pitchFamily="50" charset="-128"/>
               </a:rPr>
               <a:t>切り替え</a:t>
             </a:r>
-            <a:endParaRPr sz="4800">
+            <a:endParaRPr sz="4800" b="1" dirty="0">
               <a:solidFill>
                 <a:schemeClr val="accent2"/>
               </a:solidFill>
+              <a:latin typeface="メイリオ" panose="020B0604030504040204" pitchFamily="50" charset="-128"/>
+              <a:ea typeface="メイリオ" panose="020B0604030504040204" pitchFamily="50" charset="-128"/>
             </a:endParaRPr>
           </a:p>
         </p:txBody>
@@ -11477,6 +12732,58 @@
           <a:chExt cx="0" cy="0"/>
         </a:xfrm>
       </p:grpSpPr>
+      <p:sp>
+        <p:nvSpPr>
+          <p:cNvPr id="2" name="正方形/長方形 1">
+            <a:extLst>
+              <a:ext uri="{FF2B5EF4-FFF2-40B4-BE49-F238E27FC236}">
+                <a16:creationId xmlns:a16="http://schemas.microsoft.com/office/drawing/2014/main" id="{40FD1A8D-A23F-86D9-79A0-E02F25DB1C47}"/>
+              </a:ext>
+            </a:extLst>
+          </p:cNvPr>
+          <p:cNvSpPr/>
+          <p:nvPr/>
+        </p:nvSpPr>
+        <p:spPr>
+          <a:xfrm>
+            <a:off x="0" y="4838"/>
+            <a:ext cx="9144000" cy="5143500"/>
+          </a:xfrm>
+          <a:prstGeom prst="rect">
+            <a:avLst/>
+          </a:prstGeom>
+          <a:solidFill>
+            <a:schemeClr val="bg1"/>
+          </a:solidFill>
+          <a:ln>
+            <a:noFill/>
+          </a:ln>
+        </p:spPr>
+        <p:style>
+          <a:lnRef idx="2">
+            <a:schemeClr val="accent1">
+              <a:shade val="15000"/>
+            </a:schemeClr>
+          </a:lnRef>
+          <a:fillRef idx="1">
+            <a:schemeClr val="accent1"/>
+          </a:fillRef>
+          <a:effectRef idx="0">
+            <a:schemeClr val="accent1"/>
+          </a:effectRef>
+          <a:fontRef idx="minor">
+            <a:schemeClr val="lt1"/>
+          </a:fontRef>
+        </p:style>
+        <p:txBody>
+          <a:bodyPr rtlCol="0" anchor="ctr"/>
+          <a:lstStyle/>
+          <a:p>
+            <a:pPr algn="ctr"/>
+            <a:endParaRPr kumimoji="1" lang="ja-JP" altLang="en-US"/>
+          </a:p>
+        </p:txBody>
+      </p:sp>
       <p:pic>
         <p:nvPicPr>
           <p:cNvPr id="72" name="Google Shape;72;p16"/>
@@ -11512,7 +12819,7 @@
         </p:nvSpPr>
         <p:spPr>
           <a:xfrm>
-            <a:off x="0" y="1750500"/>
+            <a:off x="251577" y="1750500"/>
             <a:ext cx="7120200" cy="1642500"/>
           </a:xfrm>
           <a:prstGeom prst="rect">
@@ -11539,17 +12846,21 @@
               <a:buNone/>
             </a:pPr>
             <a:r>
-              <a:rPr lang="ja" sz="4800">
+              <a:rPr lang="ja" sz="4800" b="1" dirty="0">
                 <a:solidFill>
                   <a:schemeClr val="accent2"/>
                 </a:solidFill>
+                <a:latin typeface="メイリオ" panose="020B0604030504040204" pitchFamily="50" charset="-128"/>
+                <a:ea typeface="メイリオ" panose="020B0604030504040204" pitchFamily="50" charset="-128"/>
               </a:rPr>
               <a:t>AWSアカウントの</a:t>
             </a:r>
-            <a:endParaRPr sz="4800">
+            <a:endParaRPr sz="4800" b="1" dirty="0">
               <a:solidFill>
                 <a:schemeClr val="accent2"/>
               </a:solidFill>
+              <a:latin typeface="メイリオ" panose="020B0604030504040204" pitchFamily="50" charset="-128"/>
+              <a:ea typeface="メイリオ" panose="020B0604030504040204" pitchFamily="50" charset="-128"/>
             </a:endParaRPr>
           </a:p>
           <a:p>
@@ -11563,17 +12874,21 @@
               <a:buNone/>
             </a:pPr>
             <a:r>
-              <a:rPr lang="ja" sz="4800">
+              <a:rPr lang="ja" sz="4800" b="1" dirty="0">
                 <a:solidFill>
                   <a:schemeClr val="accent2"/>
                 </a:solidFill>
+                <a:latin typeface="メイリオ" panose="020B0604030504040204" pitchFamily="50" charset="-128"/>
+                <a:ea typeface="メイリオ" panose="020B0604030504040204" pitchFamily="50" charset="-128"/>
               </a:rPr>
               <a:t>確認方法</a:t>
             </a:r>
-            <a:endParaRPr sz="4800">
+            <a:endParaRPr sz="4800" b="1" dirty="0">
               <a:solidFill>
                 <a:schemeClr val="accent2"/>
               </a:solidFill>
+              <a:latin typeface="メイリオ" panose="020B0604030504040204" pitchFamily="50" charset="-128"/>
+              <a:ea typeface="メイリオ" panose="020B0604030504040204" pitchFamily="50" charset="-128"/>
             </a:endParaRPr>
           </a:p>
         </p:txBody>
@@ -11611,6 +12926,58 @@
           <a:chExt cx="0" cy="0"/>
         </a:xfrm>
       </p:grpSpPr>
+      <p:sp>
+        <p:nvSpPr>
+          <p:cNvPr id="2" name="正方形/長方形 1">
+            <a:extLst>
+              <a:ext uri="{FF2B5EF4-FFF2-40B4-BE49-F238E27FC236}">
+                <a16:creationId xmlns:a16="http://schemas.microsoft.com/office/drawing/2014/main" id="{B0364E92-EF0B-FDBD-5729-F2BFCD288ECB}"/>
+              </a:ext>
+            </a:extLst>
+          </p:cNvPr>
+          <p:cNvSpPr/>
+          <p:nvPr/>
+        </p:nvSpPr>
+        <p:spPr>
+          <a:xfrm>
+            <a:off x="0" y="0"/>
+            <a:ext cx="9144000" cy="5143500"/>
+          </a:xfrm>
+          <a:prstGeom prst="rect">
+            <a:avLst/>
+          </a:prstGeom>
+          <a:solidFill>
+            <a:schemeClr val="bg1"/>
+          </a:solidFill>
+          <a:ln>
+            <a:noFill/>
+          </a:ln>
+        </p:spPr>
+        <p:style>
+          <a:lnRef idx="2">
+            <a:schemeClr val="accent1">
+              <a:shade val="15000"/>
+            </a:schemeClr>
+          </a:lnRef>
+          <a:fillRef idx="1">
+            <a:schemeClr val="accent1"/>
+          </a:fillRef>
+          <a:effectRef idx="0">
+            <a:schemeClr val="accent1"/>
+          </a:effectRef>
+          <a:fontRef idx="minor">
+            <a:schemeClr val="lt1"/>
+          </a:fontRef>
+        </p:style>
+        <p:txBody>
+          <a:bodyPr rtlCol="0" anchor="ctr"/>
+          <a:lstStyle/>
+          <a:p>
+            <a:pPr algn="ctr"/>
+            <a:endParaRPr kumimoji="1" lang="ja-JP" altLang="en-US"/>
+          </a:p>
+        </p:txBody>
+      </p:sp>
       <p:pic>
         <p:nvPicPr>
           <p:cNvPr id="78" name="Google Shape;78;p17"/>
@@ -11646,7 +13013,7 @@
         </p:nvSpPr>
         <p:spPr>
           <a:xfrm>
-            <a:off x="0" y="1750500"/>
+            <a:off x="251576" y="1750500"/>
             <a:ext cx="7120200" cy="1642500"/>
           </a:xfrm>
           <a:prstGeom prst="rect">
@@ -11673,17 +13040,21 @@
               <a:buNone/>
             </a:pPr>
             <a:r>
-              <a:rPr lang="ja" sz="4800">
+              <a:rPr lang="ja" sz="4800" b="1" dirty="0">
                 <a:solidFill>
                   <a:schemeClr val="accent2"/>
                 </a:solidFill>
+                <a:latin typeface="メイリオ" panose="020B0604030504040204" pitchFamily="50" charset="-128"/>
+                <a:ea typeface="メイリオ" panose="020B0604030504040204" pitchFamily="50" charset="-128"/>
               </a:rPr>
               <a:t>SNSサブスクリプションフィルターの活用</a:t>
             </a:r>
-            <a:endParaRPr sz="4800">
+            <a:endParaRPr sz="4800" b="1" dirty="0">
               <a:solidFill>
                 <a:schemeClr val="accent2"/>
               </a:solidFill>
+              <a:latin typeface="メイリオ" panose="020B0604030504040204" pitchFamily="50" charset="-128"/>
+              <a:ea typeface="メイリオ" panose="020B0604030504040204" pitchFamily="50" charset="-128"/>
             </a:endParaRPr>
           </a:p>
         </p:txBody>
@@ -11721,6 +13092,58 @@
           <a:chExt cx="0" cy="0"/>
         </a:xfrm>
       </p:grpSpPr>
+      <p:sp>
+        <p:nvSpPr>
+          <p:cNvPr id="2" name="正方形/長方形 1">
+            <a:extLst>
+              <a:ext uri="{FF2B5EF4-FFF2-40B4-BE49-F238E27FC236}">
+                <a16:creationId xmlns:a16="http://schemas.microsoft.com/office/drawing/2014/main" id="{7575396E-90FA-A2E2-4B68-D7D813C594A7}"/>
+              </a:ext>
+            </a:extLst>
+          </p:cNvPr>
+          <p:cNvSpPr/>
+          <p:nvPr/>
+        </p:nvSpPr>
+        <p:spPr>
+          <a:xfrm>
+            <a:off x="0" y="0"/>
+            <a:ext cx="9144000" cy="5143500"/>
+          </a:xfrm>
+          <a:prstGeom prst="rect">
+            <a:avLst/>
+          </a:prstGeom>
+          <a:solidFill>
+            <a:schemeClr val="bg1"/>
+          </a:solidFill>
+          <a:ln>
+            <a:noFill/>
+          </a:ln>
+        </p:spPr>
+        <p:style>
+          <a:lnRef idx="2">
+            <a:schemeClr val="accent1">
+              <a:shade val="15000"/>
+            </a:schemeClr>
+          </a:lnRef>
+          <a:fillRef idx="1">
+            <a:schemeClr val="accent1"/>
+          </a:fillRef>
+          <a:effectRef idx="0">
+            <a:schemeClr val="accent1"/>
+          </a:effectRef>
+          <a:fontRef idx="minor">
+            <a:schemeClr val="lt1"/>
+          </a:fontRef>
+        </p:style>
+        <p:txBody>
+          <a:bodyPr rtlCol="0" anchor="ctr"/>
+          <a:lstStyle/>
+          <a:p>
+            <a:pPr algn="ctr"/>
+            <a:endParaRPr kumimoji="1" lang="ja-JP" altLang="en-US"/>
+          </a:p>
+        </p:txBody>
+      </p:sp>
       <p:pic>
         <p:nvPicPr>
           <p:cNvPr id="84" name="Google Shape;84;p18"/>
@@ -11756,7 +13179,7 @@
         </p:nvSpPr>
         <p:spPr>
           <a:xfrm>
-            <a:off x="0" y="1750500"/>
+            <a:off x="256414" y="1750500"/>
             <a:ext cx="7120200" cy="1642500"/>
           </a:xfrm>
           <a:prstGeom prst="rect">
@@ -11783,17 +13206,21 @@
               <a:buNone/>
             </a:pPr>
             <a:r>
-              <a:rPr lang="ja" sz="4800">
+              <a:rPr lang="ja" sz="4800" b="1" dirty="0">
                 <a:solidFill>
                   <a:schemeClr val="accent2"/>
                 </a:solidFill>
+                <a:latin typeface="メイリオ" panose="020B0604030504040204" pitchFamily="50" charset="-128"/>
+                <a:ea typeface="メイリオ" panose="020B0604030504040204" pitchFamily="50" charset="-128"/>
               </a:rPr>
               <a:t>AWS CDKプロジェクトの始め方</a:t>
             </a:r>
-            <a:endParaRPr sz="4800">
+            <a:endParaRPr sz="4800" b="1" dirty="0">
               <a:solidFill>
                 <a:schemeClr val="accent2"/>
               </a:solidFill>
+              <a:latin typeface="メイリオ" panose="020B0604030504040204" pitchFamily="50" charset="-128"/>
+              <a:ea typeface="メイリオ" panose="020B0604030504040204" pitchFamily="50" charset="-128"/>
             </a:endParaRPr>
           </a:p>
         </p:txBody>
@@ -11831,6 +13258,58 @@
           <a:chExt cx="0" cy="0"/>
         </a:xfrm>
       </p:grpSpPr>
+      <p:sp>
+        <p:nvSpPr>
+          <p:cNvPr id="2" name="正方形/長方形 1">
+            <a:extLst>
+              <a:ext uri="{FF2B5EF4-FFF2-40B4-BE49-F238E27FC236}">
+                <a16:creationId xmlns:a16="http://schemas.microsoft.com/office/drawing/2014/main" id="{D564E035-6748-647C-0868-9CF0790A1F55}"/>
+              </a:ext>
+            </a:extLst>
+          </p:cNvPr>
+          <p:cNvSpPr/>
+          <p:nvPr/>
+        </p:nvSpPr>
+        <p:spPr>
+          <a:xfrm>
+            <a:off x="0" y="0"/>
+            <a:ext cx="9144000" cy="5143500"/>
+          </a:xfrm>
+          <a:prstGeom prst="rect">
+            <a:avLst/>
+          </a:prstGeom>
+          <a:solidFill>
+            <a:schemeClr val="bg1"/>
+          </a:solidFill>
+          <a:ln>
+            <a:noFill/>
+          </a:ln>
+        </p:spPr>
+        <p:style>
+          <a:lnRef idx="2">
+            <a:schemeClr val="accent1">
+              <a:shade val="15000"/>
+            </a:schemeClr>
+          </a:lnRef>
+          <a:fillRef idx="1">
+            <a:schemeClr val="accent1"/>
+          </a:fillRef>
+          <a:effectRef idx="0">
+            <a:schemeClr val="accent1"/>
+          </a:effectRef>
+          <a:fontRef idx="minor">
+            <a:schemeClr val="lt1"/>
+          </a:fontRef>
+        </p:style>
+        <p:txBody>
+          <a:bodyPr rtlCol="0" anchor="ctr"/>
+          <a:lstStyle/>
+          <a:p>
+            <a:pPr algn="ctr"/>
+            <a:endParaRPr kumimoji="1" lang="ja-JP" altLang="en-US"/>
+          </a:p>
+        </p:txBody>
+      </p:sp>
       <p:pic>
         <p:nvPicPr>
           <p:cNvPr id="90" name="Google Shape;90;p19"/>
@@ -11866,7 +13345,7 @@
         </p:nvSpPr>
         <p:spPr>
           <a:xfrm>
-            <a:off x="0" y="2132700"/>
+            <a:off x="256414" y="2132700"/>
             <a:ext cx="7120200" cy="878100"/>
           </a:xfrm>
           <a:prstGeom prst="rect">
@@ -11893,17 +13372,21 @@
               <a:buNone/>
             </a:pPr>
             <a:r>
-              <a:rPr lang="ja" sz="4800">
+              <a:rPr lang="ja" sz="4800" b="1" dirty="0">
                 <a:solidFill>
                   <a:schemeClr val="accent2"/>
                 </a:solidFill>
+                <a:latin typeface="メイリオ" panose="020B0604030504040204" pitchFamily="50" charset="-128"/>
+                <a:ea typeface="メイリオ" panose="020B0604030504040204" pitchFamily="50" charset="-128"/>
               </a:rPr>
               <a:t>AWS CLIでのSSO認証</a:t>
             </a:r>
-            <a:endParaRPr sz="4800">
+            <a:endParaRPr sz="4800" b="1" dirty="0">
               <a:solidFill>
                 <a:schemeClr val="accent2"/>
               </a:solidFill>
+              <a:latin typeface="メイリオ" panose="020B0604030504040204" pitchFamily="50" charset="-128"/>
+              <a:ea typeface="メイリオ" panose="020B0604030504040204" pitchFamily="50" charset="-128"/>
             </a:endParaRPr>
           </a:p>
         </p:txBody>
